--- a/수정/2조 요구사항 확인, 유스케이스(발표).pptx
+++ b/수정/2조 요구사항 확인, 유스케이스(발표).pptx
@@ -9,23 +9,24 @@
     <p:sldId id="269" r:id="rId3"/>
     <p:sldId id="257" r:id="rId4"/>
     <p:sldId id="278" r:id="rId5"/>
-    <p:sldId id="271" r:id="rId6"/>
-    <p:sldId id="280" r:id="rId7"/>
-    <p:sldId id="275" r:id="rId8"/>
-    <p:sldId id="279" r:id="rId9"/>
-    <p:sldId id="281" r:id="rId10"/>
-    <p:sldId id="289" r:id="rId11"/>
-    <p:sldId id="284" r:id="rId12"/>
-    <p:sldId id="290" r:id="rId13"/>
-    <p:sldId id="285" r:id="rId14"/>
-    <p:sldId id="291" r:id="rId15"/>
-    <p:sldId id="286" r:id="rId16"/>
-    <p:sldId id="292" r:id="rId17"/>
-    <p:sldId id="287" r:id="rId18"/>
-    <p:sldId id="293" r:id="rId19"/>
-    <p:sldId id="288" r:id="rId20"/>
-    <p:sldId id="294" r:id="rId21"/>
-    <p:sldId id="260" r:id="rId22"/>
+    <p:sldId id="295" r:id="rId6"/>
+    <p:sldId id="271" r:id="rId7"/>
+    <p:sldId id="280" r:id="rId8"/>
+    <p:sldId id="275" r:id="rId9"/>
+    <p:sldId id="279" r:id="rId10"/>
+    <p:sldId id="281" r:id="rId11"/>
+    <p:sldId id="289" r:id="rId12"/>
+    <p:sldId id="284" r:id="rId13"/>
+    <p:sldId id="290" r:id="rId14"/>
+    <p:sldId id="285" r:id="rId15"/>
+    <p:sldId id="291" r:id="rId16"/>
+    <p:sldId id="286" r:id="rId17"/>
+    <p:sldId id="292" r:id="rId18"/>
+    <p:sldId id="287" r:id="rId19"/>
+    <p:sldId id="293" r:id="rId20"/>
+    <p:sldId id="288" r:id="rId21"/>
+    <p:sldId id="294" r:id="rId22"/>
+    <p:sldId id="260" r:id="rId23"/>
   </p:sldIdLst>
   <p:sldSz cx="12192000" cy="6858000"/>
   <p:notesSz cx="6858000" cy="9144000"/>
@@ -290,7 +291,7 @@
           <a:p>
             <a:fld id="{9CB6D52B-C876-46F5-A68D-273A0F2D6936}" type="datetimeFigureOut">
               <a:rPr lang="ko-KR" altLang="en-US" smtClean="0"/>
-              <a:t>2024-03-14</a:t>
+              <a:t>2024-03-15</a:t>
             </a:fld>
             <a:endParaRPr lang="ko-KR" altLang="en-US"/>
           </a:p>
@@ -594,7 +595,7 @@
           <a:p>
             <a:fld id="{9CB6D52B-C876-46F5-A68D-273A0F2D6936}" type="datetimeFigureOut">
               <a:rPr lang="ko-KR" altLang="en-US" smtClean="0"/>
-              <a:t>2024-03-14</a:t>
+              <a:t>2024-03-15</a:t>
             </a:fld>
             <a:endParaRPr lang="ko-KR" altLang="en-US"/>
           </a:p>
@@ -792,7 +793,7 @@
           <a:p>
             <a:fld id="{9CB6D52B-C876-46F5-A68D-273A0F2D6936}" type="datetimeFigureOut">
               <a:rPr lang="ko-KR" altLang="en-US" smtClean="0"/>
-              <a:t>2024-03-14</a:t>
+              <a:t>2024-03-15</a:t>
             </a:fld>
             <a:endParaRPr lang="ko-KR" altLang="en-US"/>
           </a:p>
@@ -1000,7 +1001,7 @@
           <a:p>
             <a:fld id="{9CB6D52B-C876-46F5-A68D-273A0F2D6936}" type="datetimeFigureOut">
               <a:rPr lang="ko-KR" altLang="en-US" smtClean="0"/>
-              <a:t>2024-03-14</a:t>
+              <a:t>2024-03-15</a:t>
             </a:fld>
             <a:endParaRPr lang="ko-KR" altLang="en-US"/>
           </a:p>
@@ -1198,7 +1199,7 @@
           <a:p>
             <a:fld id="{9CB6D52B-C876-46F5-A68D-273A0F2D6936}" type="datetimeFigureOut">
               <a:rPr lang="ko-KR" altLang="en-US" smtClean="0"/>
-              <a:t>2024-03-14</a:t>
+              <a:t>2024-03-15</a:t>
             </a:fld>
             <a:endParaRPr lang="ko-KR" altLang="en-US"/>
           </a:p>
@@ -1473,7 +1474,7 @@
           <a:p>
             <a:fld id="{9CB6D52B-C876-46F5-A68D-273A0F2D6936}" type="datetimeFigureOut">
               <a:rPr lang="ko-KR" altLang="en-US" smtClean="0"/>
-              <a:t>2024-03-14</a:t>
+              <a:t>2024-03-15</a:t>
             </a:fld>
             <a:endParaRPr lang="ko-KR" altLang="en-US"/>
           </a:p>
@@ -1738,7 +1739,7 @@
           <a:p>
             <a:fld id="{9CB6D52B-C876-46F5-A68D-273A0F2D6936}" type="datetimeFigureOut">
               <a:rPr lang="ko-KR" altLang="en-US" smtClean="0"/>
-              <a:t>2024-03-14</a:t>
+              <a:t>2024-03-15</a:t>
             </a:fld>
             <a:endParaRPr lang="ko-KR" altLang="en-US"/>
           </a:p>
@@ -2150,7 +2151,7 @@
           <a:p>
             <a:fld id="{9CB6D52B-C876-46F5-A68D-273A0F2D6936}" type="datetimeFigureOut">
               <a:rPr lang="ko-KR" altLang="en-US" smtClean="0"/>
-              <a:t>2024-03-14</a:t>
+              <a:t>2024-03-15</a:t>
             </a:fld>
             <a:endParaRPr lang="ko-KR" altLang="en-US"/>
           </a:p>
@@ -2291,7 +2292,7 @@
           <a:p>
             <a:fld id="{9CB6D52B-C876-46F5-A68D-273A0F2D6936}" type="datetimeFigureOut">
               <a:rPr lang="ko-KR" altLang="en-US" smtClean="0"/>
-              <a:t>2024-03-14</a:t>
+              <a:t>2024-03-15</a:t>
             </a:fld>
             <a:endParaRPr lang="ko-KR" altLang="en-US"/>
           </a:p>
@@ -2511,7 +2512,7 @@
           <a:p>
             <a:fld id="{9CB6D52B-C876-46F5-A68D-273A0F2D6936}" type="datetimeFigureOut">
               <a:rPr lang="ko-KR" altLang="en-US" smtClean="0"/>
-              <a:t>2024-03-14</a:t>
+              <a:t>2024-03-15</a:t>
             </a:fld>
             <a:endParaRPr lang="ko-KR" altLang="en-US"/>
           </a:p>
@@ -2729,7 +2730,7 @@
           <a:p>
             <a:fld id="{9CB6D52B-C876-46F5-A68D-273A0F2D6936}" type="datetimeFigureOut">
               <a:rPr lang="ko-KR" altLang="en-US" smtClean="0"/>
-              <a:t>2024-03-14</a:t>
+              <a:t>2024-03-15</a:t>
             </a:fld>
             <a:endParaRPr lang="ko-KR" altLang="en-US"/>
           </a:p>
@@ -3056,7 +3057,7 @@
           <a:p>
             <a:fld id="{9CB6D52B-C876-46F5-A68D-273A0F2D6936}" type="datetimeFigureOut">
               <a:rPr lang="ko-KR" altLang="en-US" smtClean="0"/>
-              <a:t>2024-03-14</a:t>
+              <a:t>2024-03-15</a:t>
             </a:fld>
             <a:endParaRPr lang="ko-KR" altLang="en-US"/>
           </a:p>
@@ -3313,7 +3314,7 @@
           <a:p>
             <a:fld id="{9CB6D52B-C876-46F5-A68D-273A0F2D6936}" type="datetimeFigureOut">
               <a:rPr lang="ko-KR" altLang="en-US" smtClean="0"/>
-              <a:t>2024-03-14</a:t>
+              <a:t>2024-03-15</a:t>
             </a:fld>
             <a:endParaRPr lang="ko-KR" altLang="en-US"/>
           </a:p>
@@ -4143,6 +4144,299 @@
                 <a:latin typeface="+mj-ea"/>
                 <a:ea typeface="+mj-ea"/>
               </a:rPr>
+              <a:t>다이어그램 </a:t>
+            </a:r>
+            <a:r>
+              <a:rPr lang="en-US" altLang="ko-KR" sz="2800" b="1" spc="-150" dirty="0">
+                <a:solidFill>
+                  <a:schemeClr val="accent2">
+                    <a:lumMod val="50000"/>
+                  </a:schemeClr>
+                </a:solidFill>
+                <a:latin typeface="+mj-ea"/>
+                <a:ea typeface="+mj-ea"/>
+              </a:rPr>
+              <a:t>- </a:t>
+            </a:r>
+            <a:r>
+              <a:rPr lang="ko-KR" altLang="en-US" sz="2800" b="1" spc="-150" dirty="0">
+                <a:solidFill>
+                  <a:schemeClr val="accent2">
+                    <a:lumMod val="50000"/>
+                  </a:schemeClr>
+                </a:solidFill>
+                <a:latin typeface="+mj-ea"/>
+                <a:ea typeface="+mj-ea"/>
+              </a:rPr>
+              <a:t>로그인</a:t>
+            </a:r>
+          </a:p>
+        </p:txBody>
+      </p:sp>
+      <p:pic>
+        <p:nvPicPr>
+          <p:cNvPr id="4" name="그림 3">
+            <a:extLst>
+              <a:ext uri="{FF2B5EF4-FFF2-40B4-BE49-F238E27FC236}">
+                <a16:creationId xmlns:a16="http://schemas.microsoft.com/office/drawing/2014/main" id="{02368C0B-4FA5-1A4C-EADB-3942C6725B04}"/>
+              </a:ext>
+            </a:extLst>
+          </p:cNvPr>
+          <p:cNvPicPr>
+            <a:picLocks noChangeAspect="1"/>
+          </p:cNvPicPr>
+          <p:nvPr/>
+        </p:nvPicPr>
+        <p:blipFill>
+          <a:blip r:embed="rId2">
+            <a:extLst>
+              <a:ext uri="{28A0092B-C50C-407E-A947-70E740481C1C}">
+                <a14:useLocalDpi xmlns:a14="http://schemas.microsoft.com/office/drawing/2010/main" val="0"/>
+              </a:ext>
+            </a:extLst>
+          </a:blip>
+          <a:stretch>
+            <a:fillRect/>
+          </a:stretch>
+        </p:blipFill>
+        <p:spPr>
+          <a:xfrm>
+            <a:off x="1973838" y="1932992"/>
+            <a:ext cx="8244324" cy="3189514"/>
+          </a:xfrm>
+          <a:prstGeom prst="rect">
+            <a:avLst/>
+          </a:prstGeom>
+        </p:spPr>
+      </p:pic>
+    </p:spTree>
+    <p:extLst>
+      <p:ext uri="{BB962C8B-B14F-4D97-AF65-F5344CB8AC3E}">
+        <p14:creationId xmlns:p14="http://schemas.microsoft.com/office/powerpoint/2010/main" val="2586192940"/>
+      </p:ext>
+    </p:extLst>
+  </p:cSld>
+  <p:clrMapOvr>
+    <a:masterClrMapping/>
+  </p:clrMapOvr>
+  <mc:AlternateContent xmlns:mc="http://schemas.openxmlformats.org/markup-compatibility/2006" xmlns:p14="http://schemas.microsoft.com/office/powerpoint/2010/main">
+    <mc:Choice Requires="p14">
+      <p:transition spd="med" p14:dur="700">
+        <p:fade/>
+      </p:transition>
+    </mc:Choice>
+    <mc:Fallback xmlns="">
+      <p:transition spd="med">
+        <p:fade/>
+      </p:transition>
+    </mc:Fallback>
+  </mc:AlternateContent>
+</p:sld>
+</file>
+
+<file path=ppt/slides/slide11.xml><?xml version="1.0" encoding="utf-8"?>
+<p:sld xmlns:a="http://schemas.openxmlformats.org/drawingml/2006/main" xmlns:r="http://schemas.openxmlformats.org/officeDocument/2006/relationships" xmlns:p="http://schemas.openxmlformats.org/presentationml/2006/main">
+  <p:cSld>
+    <p:spTree>
+      <p:nvGrpSpPr>
+        <p:cNvPr id="1" name=""/>
+        <p:cNvGrpSpPr/>
+        <p:nvPr/>
+      </p:nvGrpSpPr>
+      <p:grpSpPr>
+        <a:xfrm>
+          <a:off x="0" y="0"/>
+          <a:ext cx="0" cy="0"/>
+          <a:chOff x="0" y="0"/>
+          <a:chExt cx="0" cy="0"/>
+        </a:xfrm>
+      </p:grpSpPr>
+      <p:grpSp>
+        <p:nvGrpSpPr>
+          <p:cNvPr id="5" name="그룹 4">
+            <a:extLst>
+              <a:ext uri="{FF2B5EF4-FFF2-40B4-BE49-F238E27FC236}">
+                <a16:creationId xmlns:a16="http://schemas.microsoft.com/office/drawing/2014/main" id="{A2449D8F-884D-5D19-165F-EB57479089EB}"/>
+              </a:ext>
+            </a:extLst>
+          </p:cNvPr>
+          <p:cNvGrpSpPr/>
+          <p:nvPr/>
+        </p:nvGrpSpPr>
+        <p:grpSpPr>
+          <a:xfrm>
+            <a:off x="334537" y="292343"/>
+            <a:ext cx="1282390" cy="494371"/>
+            <a:chOff x="334537" y="267629"/>
+            <a:chExt cx="1282390" cy="494371"/>
+          </a:xfrm>
+          <a:solidFill>
+            <a:srgbClr val="40623D"/>
+          </a:solidFill>
+        </p:grpSpPr>
+        <p:sp>
+          <p:nvSpPr>
+            <p:cNvPr id="6" name="사각형: 둥근 모서리 5">
+              <a:extLst>
+                <a:ext uri="{FF2B5EF4-FFF2-40B4-BE49-F238E27FC236}">
+                  <a16:creationId xmlns:a16="http://schemas.microsoft.com/office/drawing/2014/main" id="{D1C29DCC-B007-9B28-F0ED-7D47503F3214}"/>
+                </a:ext>
+              </a:extLst>
+            </p:cNvPr>
+            <p:cNvSpPr/>
+            <p:nvPr/>
+          </p:nvSpPr>
+          <p:spPr>
+            <a:xfrm>
+              <a:off x="334537" y="267629"/>
+              <a:ext cx="1282390" cy="494371"/>
+            </a:xfrm>
+            <a:prstGeom prst="roundRect">
+              <a:avLst>
+                <a:gd name="adj" fmla="val 50000"/>
+              </a:avLst>
+            </a:prstGeom>
+            <a:grpFill/>
+            <a:ln>
+              <a:noFill/>
+            </a:ln>
+          </p:spPr>
+          <p:style>
+            <a:lnRef idx="2">
+              <a:schemeClr val="accent1">
+                <a:shade val="50000"/>
+              </a:schemeClr>
+            </a:lnRef>
+            <a:fillRef idx="1">
+              <a:schemeClr val="accent1"/>
+            </a:fillRef>
+            <a:effectRef idx="0">
+              <a:schemeClr val="accent1"/>
+            </a:effectRef>
+            <a:fontRef idx="minor">
+              <a:schemeClr val="lt1"/>
+            </a:fontRef>
+          </p:style>
+          <p:txBody>
+            <a:bodyPr rtlCol="0" anchor="ctr"/>
+            <a:lstStyle/>
+            <a:p>
+              <a:pPr algn="ctr"/>
+              <a:endParaRPr lang="ko-KR" altLang="en-US"/>
+            </a:p>
+          </p:txBody>
+        </p:sp>
+        <p:sp>
+          <p:nvSpPr>
+            <p:cNvPr id="7" name="TextBox 6">
+              <a:extLst>
+                <a:ext uri="{FF2B5EF4-FFF2-40B4-BE49-F238E27FC236}">
+                  <a16:creationId xmlns:a16="http://schemas.microsoft.com/office/drawing/2014/main" id="{4E07EDC3-FA59-EB87-3960-62BE763DA29C}"/>
+                </a:ext>
+              </a:extLst>
+            </p:cNvPr>
+            <p:cNvSpPr txBox="1"/>
+            <p:nvPr/>
+          </p:nvSpPr>
+          <p:spPr>
+            <a:xfrm>
+              <a:off x="557562" y="316312"/>
+              <a:ext cx="808235" cy="369332"/>
+            </a:xfrm>
+            <a:prstGeom prst="rect">
+              <a:avLst/>
+            </a:prstGeom>
+            <a:grpFill/>
+          </p:spPr>
+          <p:txBody>
+            <a:bodyPr wrap="none" rtlCol="0">
+              <a:spAutoFit/>
+            </a:bodyPr>
+            <a:lstStyle/>
+            <a:p>
+              <a:r>
+                <a:rPr lang="en-US" altLang="ko-KR" b="1" dirty="0">
+                  <a:solidFill>
+                    <a:schemeClr val="bg1"/>
+                  </a:solidFill>
+                  <a:latin typeface="+mj-ea"/>
+                  <a:ea typeface="+mj-ea"/>
+                </a:rPr>
+                <a:t>Part 3</a:t>
+              </a:r>
+              <a:endParaRPr lang="ko-KR" altLang="en-US" b="1" dirty="0">
+                <a:solidFill>
+                  <a:schemeClr val="bg1"/>
+                </a:solidFill>
+                <a:latin typeface="+mj-ea"/>
+                <a:ea typeface="+mj-ea"/>
+              </a:endParaRPr>
+            </a:p>
+          </p:txBody>
+        </p:sp>
+      </p:grpSp>
+      <p:sp>
+        <p:nvSpPr>
+          <p:cNvPr id="8" name="TextBox 7">
+            <a:extLst>
+              <a:ext uri="{FF2B5EF4-FFF2-40B4-BE49-F238E27FC236}">
+                <a16:creationId xmlns:a16="http://schemas.microsoft.com/office/drawing/2014/main" id="{8C200553-37C6-FFB4-57FC-244375D26B87}"/>
+              </a:ext>
+            </a:extLst>
+          </p:cNvPr>
+          <p:cNvSpPr txBox="1"/>
+          <p:nvPr/>
+        </p:nvSpPr>
+        <p:spPr>
+          <a:xfrm flipH="1">
+            <a:off x="1735019" y="263494"/>
+            <a:ext cx="5625150" cy="523220"/>
+          </a:xfrm>
+          <a:prstGeom prst="rect">
+            <a:avLst/>
+          </a:prstGeom>
+          <a:noFill/>
+        </p:spPr>
+        <p:txBody>
+          <a:bodyPr wrap="square" rtlCol="0">
+            <a:spAutoFit/>
+          </a:bodyPr>
+          <a:lstStyle/>
+          <a:p>
+            <a:r>
+              <a:rPr lang="ko-KR" altLang="en-US" sz="2800" b="1" spc="-150" dirty="0" err="1">
+                <a:solidFill>
+                  <a:schemeClr val="accent2">
+                    <a:lumMod val="50000"/>
+                  </a:schemeClr>
+                </a:solidFill>
+                <a:latin typeface="+mj-ea"/>
+                <a:ea typeface="+mj-ea"/>
+              </a:rPr>
+              <a:t>유스케이스</a:t>
+            </a:r>
+            <a:r>
+              <a:rPr lang="en-US" altLang="ko-KR" sz="2800" b="1" spc="-150" dirty="0">
+                <a:solidFill>
+                  <a:schemeClr val="accent2">
+                    <a:lumMod val="50000"/>
+                  </a:schemeClr>
+                </a:solidFill>
+                <a:latin typeface="+mj-ea"/>
+                <a:ea typeface="+mj-ea"/>
+              </a:rPr>
+              <a:t> </a:t>
+            </a:r>
+            <a:r>
+              <a:rPr lang="ko-KR" altLang="en-US" sz="2800" b="1" spc="-150" dirty="0">
+                <a:solidFill>
+                  <a:schemeClr val="accent2">
+                    <a:lumMod val="50000"/>
+                  </a:schemeClr>
+                </a:solidFill>
+                <a:latin typeface="+mj-ea"/>
+                <a:ea typeface="+mj-ea"/>
+              </a:rPr>
               <a:t>명세서 </a:t>
             </a:r>
             <a:r>
@@ -5116,6 +5410,17 @@
                           <a:ea typeface="맑은 고딕" panose="020B0503020000020004" pitchFamily="50" charset="-127"/>
                         </a:rPr>
                       </a:br>
+                      <a:r>
+                        <a:rPr lang="en-US" altLang="ko-KR" sz="1400" b="0" i="0" u="none" strike="noStrike" dirty="0">
+                          <a:solidFill>
+                            <a:srgbClr val="40623D"/>
+                          </a:solidFill>
+                          <a:effectLst/>
+                          <a:latin typeface="맑은 고딕" panose="020B0503020000020004" pitchFamily="50" charset="-127"/>
+                          <a:ea typeface="맑은 고딕" panose="020B0503020000020004" pitchFamily="50" charset="-127"/>
+                        </a:rPr>
+                        <a:t/>
+                      </a:r>
                       <a:br>
                         <a:rPr lang="en-US" altLang="ko-KR" sz="1400" b="0" i="0" u="none" strike="noStrike" dirty="0">
                           <a:solidFill>
@@ -5558,7 +5863,7 @@
 </p:sld>
 </file>
 
-<file path=ppt/slides/slide11.xml><?xml version="1.0" encoding="utf-8"?>
+<file path=ppt/slides/slide12.xml><?xml version="1.0" encoding="utf-8"?>
 <p:sld xmlns:a="http://schemas.openxmlformats.org/drawingml/2006/main" xmlns:r="http://schemas.openxmlformats.org/officeDocument/2006/relationships" xmlns:p="http://schemas.openxmlformats.org/presentationml/2006/main">
   <p:cSld>
     <p:spTree>
@@ -5872,7 +6177,7 @@
 </p:sld>
 </file>
 
-<file path=ppt/slides/slide12.xml><?xml version="1.0" encoding="utf-8"?>
+<file path=ppt/slides/slide13.xml><?xml version="1.0" encoding="utf-8"?>
 <p:sld xmlns:a="http://schemas.openxmlformats.org/drawingml/2006/main" xmlns:r="http://schemas.openxmlformats.org/officeDocument/2006/relationships" xmlns:p="http://schemas.openxmlformats.org/presentationml/2006/main">
   <p:cSld>
     <p:spTree>
@@ -7657,7 +7962,7 @@
 </p:sld>
 </file>
 
-<file path=ppt/slides/slide13.xml><?xml version="1.0" encoding="utf-8"?>
+<file path=ppt/slides/slide14.xml><?xml version="1.0" encoding="utf-8"?>
 <p:sld xmlns:a="http://schemas.openxmlformats.org/drawingml/2006/main" xmlns:r="http://schemas.openxmlformats.org/officeDocument/2006/relationships" xmlns:p="http://schemas.openxmlformats.org/presentationml/2006/main">
   <p:cSld>
     <p:spTree>
@@ -7950,7 +8255,7 @@
 </p:sld>
 </file>
 
-<file path=ppt/slides/slide14.xml><?xml version="1.0" encoding="utf-8"?>
+<file path=ppt/slides/slide15.xml><?xml version="1.0" encoding="utf-8"?>
 <p:sld xmlns:a="http://schemas.openxmlformats.org/drawingml/2006/main" xmlns:r="http://schemas.openxmlformats.org/officeDocument/2006/relationships" xmlns:p="http://schemas.openxmlformats.org/presentationml/2006/main">
   <p:cSld>
     <p:spTree>
@@ -9724,7 +10029,7 @@
 </p:sld>
 </file>
 
-<file path=ppt/slides/slide15.xml><?xml version="1.0" encoding="utf-8"?>
+<file path=ppt/slides/slide16.xml><?xml version="1.0" encoding="utf-8"?>
 <p:sld xmlns:a="http://schemas.openxmlformats.org/drawingml/2006/main" xmlns:r="http://schemas.openxmlformats.org/officeDocument/2006/relationships" xmlns:p="http://schemas.openxmlformats.org/presentationml/2006/main">
   <p:cSld>
     <p:spTree>
@@ -10026,7 +10331,7 @@
 </p:sld>
 </file>
 
-<file path=ppt/slides/slide16.xml><?xml version="1.0" encoding="utf-8"?>
+<file path=ppt/slides/slide17.xml><?xml version="1.0" encoding="utf-8"?>
 <p:sld xmlns:a="http://schemas.openxmlformats.org/drawingml/2006/main" xmlns:r="http://schemas.openxmlformats.org/officeDocument/2006/relationships" xmlns:p="http://schemas.openxmlformats.org/presentationml/2006/main">
   <p:cSld>
     <p:spTree>
@@ -11758,7 +12063,7 @@
 </p:sld>
 </file>
 
-<file path=ppt/slides/slide17.xml><?xml version="1.0" encoding="utf-8"?>
+<file path=ppt/slides/slide18.xml><?xml version="1.0" encoding="utf-8"?>
 <p:sld xmlns:a="http://schemas.openxmlformats.org/drawingml/2006/main" xmlns:r="http://schemas.openxmlformats.org/officeDocument/2006/relationships" xmlns:p="http://schemas.openxmlformats.org/presentationml/2006/main">
   <p:cSld>
     <p:spTree>
@@ -12051,7 +12356,7 @@
 </p:sld>
 </file>
 
-<file path=ppt/slides/slide18.xml><?xml version="1.0" encoding="utf-8"?>
+<file path=ppt/slides/slide19.xml><?xml version="1.0" encoding="utf-8"?>
 <p:sld xmlns:a="http://schemas.openxmlformats.org/drawingml/2006/main" xmlns:r="http://schemas.openxmlformats.org/officeDocument/2006/relationships" xmlns:p="http://schemas.openxmlformats.org/presentationml/2006/main">
   <p:cSld>
     <p:spTree>
@@ -13666,299 +13971,6 @@
     <p:extLst>
       <p:ext uri="{BB962C8B-B14F-4D97-AF65-F5344CB8AC3E}">
         <p14:creationId xmlns:p14="http://schemas.microsoft.com/office/powerpoint/2010/main" val="1764067145"/>
-      </p:ext>
-    </p:extLst>
-  </p:cSld>
-  <p:clrMapOvr>
-    <a:masterClrMapping/>
-  </p:clrMapOvr>
-  <mc:AlternateContent xmlns:mc="http://schemas.openxmlformats.org/markup-compatibility/2006" xmlns:p14="http://schemas.microsoft.com/office/powerpoint/2010/main">
-    <mc:Choice Requires="p14">
-      <p:transition spd="med" p14:dur="700">
-        <p:fade/>
-      </p:transition>
-    </mc:Choice>
-    <mc:Fallback xmlns="">
-      <p:transition spd="med">
-        <p:fade/>
-      </p:transition>
-    </mc:Fallback>
-  </mc:AlternateContent>
-</p:sld>
-</file>
-
-<file path=ppt/slides/slide19.xml><?xml version="1.0" encoding="utf-8"?>
-<p:sld xmlns:a="http://schemas.openxmlformats.org/drawingml/2006/main" xmlns:r="http://schemas.openxmlformats.org/officeDocument/2006/relationships" xmlns:p="http://schemas.openxmlformats.org/presentationml/2006/main">
-  <p:cSld>
-    <p:spTree>
-      <p:nvGrpSpPr>
-        <p:cNvPr id="1" name=""/>
-        <p:cNvGrpSpPr/>
-        <p:nvPr/>
-      </p:nvGrpSpPr>
-      <p:grpSpPr>
-        <a:xfrm>
-          <a:off x="0" y="0"/>
-          <a:ext cx="0" cy="0"/>
-          <a:chOff x="0" y="0"/>
-          <a:chExt cx="0" cy="0"/>
-        </a:xfrm>
-      </p:grpSpPr>
-      <p:grpSp>
-        <p:nvGrpSpPr>
-          <p:cNvPr id="5" name="그룹 4">
-            <a:extLst>
-              <a:ext uri="{FF2B5EF4-FFF2-40B4-BE49-F238E27FC236}">
-                <a16:creationId xmlns:a16="http://schemas.microsoft.com/office/drawing/2014/main" id="{A2449D8F-884D-5D19-165F-EB57479089EB}"/>
-              </a:ext>
-            </a:extLst>
-          </p:cNvPr>
-          <p:cNvGrpSpPr/>
-          <p:nvPr/>
-        </p:nvGrpSpPr>
-        <p:grpSpPr>
-          <a:xfrm>
-            <a:off x="334537" y="292343"/>
-            <a:ext cx="1282390" cy="494371"/>
-            <a:chOff x="334537" y="267629"/>
-            <a:chExt cx="1282390" cy="494371"/>
-          </a:xfrm>
-          <a:solidFill>
-            <a:srgbClr val="40623D"/>
-          </a:solidFill>
-        </p:grpSpPr>
-        <p:sp>
-          <p:nvSpPr>
-            <p:cNvPr id="6" name="사각형: 둥근 모서리 5">
-              <a:extLst>
-                <a:ext uri="{FF2B5EF4-FFF2-40B4-BE49-F238E27FC236}">
-                  <a16:creationId xmlns:a16="http://schemas.microsoft.com/office/drawing/2014/main" id="{D1C29DCC-B007-9B28-F0ED-7D47503F3214}"/>
-                </a:ext>
-              </a:extLst>
-            </p:cNvPr>
-            <p:cNvSpPr/>
-            <p:nvPr/>
-          </p:nvSpPr>
-          <p:spPr>
-            <a:xfrm>
-              <a:off x="334537" y="267629"/>
-              <a:ext cx="1282390" cy="494371"/>
-            </a:xfrm>
-            <a:prstGeom prst="roundRect">
-              <a:avLst>
-                <a:gd name="adj" fmla="val 50000"/>
-              </a:avLst>
-            </a:prstGeom>
-            <a:grpFill/>
-            <a:ln>
-              <a:noFill/>
-            </a:ln>
-          </p:spPr>
-          <p:style>
-            <a:lnRef idx="2">
-              <a:schemeClr val="accent1">
-                <a:shade val="50000"/>
-              </a:schemeClr>
-            </a:lnRef>
-            <a:fillRef idx="1">
-              <a:schemeClr val="accent1"/>
-            </a:fillRef>
-            <a:effectRef idx="0">
-              <a:schemeClr val="accent1"/>
-            </a:effectRef>
-            <a:fontRef idx="minor">
-              <a:schemeClr val="lt1"/>
-            </a:fontRef>
-          </p:style>
-          <p:txBody>
-            <a:bodyPr rtlCol="0" anchor="ctr"/>
-            <a:lstStyle/>
-            <a:p>
-              <a:pPr algn="ctr"/>
-              <a:endParaRPr lang="ko-KR" altLang="en-US"/>
-            </a:p>
-          </p:txBody>
-        </p:sp>
-        <p:sp>
-          <p:nvSpPr>
-            <p:cNvPr id="7" name="TextBox 6">
-              <a:extLst>
-                <a:ext uri="{FF2B5EF4-FFF2-40B4-BE49-F238E27FC236}">
-                  <a16:creationId xmlns:a16="http://schemas.microsoft.com/office/drawing/2014/main" id="{4E07EDC3-FA59-EB87-3960-62BE763DA29C}"/>
-                </a:ext>
-              </a:extLst>
-            </p:cNvPr>
-            <p:cNvSpPr txBox="1"/>
-            <p:nvPr/>
-          </p:nvSpPr>
-          <p:spPr>
-            <a:xfrm>
-              <a:off x="557562" y="316312"/>
-              <a:ext cx="808235" cy="369332"/>
-            </a:xfrm>
-            <a:prstGeom prst="rect">
-              <a:avLst/>
-            </a:prstGeom>
-            <a:grpFill/>
-          </p:spPr>
-          <p:txBody>
-            <a:bodyPr wrap="none" rtlCol="0">
-              <a:spAutoFit/>
-            </a:bodyPr>
-            <a:lstStyle/>
-            <a:p>
-              <a:r>
-                <a:rPr lang="en-US" altLang="ko-KR" b="1" dirty="0">
-                  <a:solidFill>
-                    <a:schemeClr val="bg1"/>
-                  </a:solidFill>
-                  <a:latin typeface="+mj-ea"/>
-                  <a:ea typeface="+mj-ea"/>
-                </a:rPr>
-                <a:t>Part 3</a:t>
-              </a:r>
-              <a:endParaRPr lang="ko-KR" altLang="en-US" b="1" dirty="0">
-                <a:solidFill>
-                  <a:schemeClr val="bg1"/>
-                </a:solidFill>
-                <a:latin typeface="+mj-ea"/>
-                <a:ea typeface="+mj-ea"/>
-              </a:endParaRPr>
-            </a:p>
-          </p:txBody>
-        </p:sp>
-      </p:grpSp>
-      <p:sp>
-        <p:nvSpPr>
-          <p:cNvPr id="8" name="TextBox 7">
-            <a:extLst>
-              <a:ext uri="{FF2B5EF4-FFF2-40B4-BE49-F238E27FC236}">
-                <a16:creationId xmlns:a16="http://schemas.microsoft.com/office/drawing/2014/main" id="{8C200553-37C6-FFB4-57FC-244375D26B87}"/>
-              </a:ext>
-            </a:extLst>
-          </p:cNvPr>
-          <p:cNvSpPr txBox="1"/>
-          <p:nvPr/>
-        </p:nvSpPr>
-        <p:spPr>
-          <a:xfrm flipH="1">
-            <a:off x="1735019" y="263494"/>
-            <a:ext cx="5625150" cy="523220"/>
-          </a:xfrm>
-          <a:prstGeom prst="rect">
-            <a:avLst/>
-          </a:prstGeom>
-          <a:noFill/>
-        </p:spPr>
-        <p:txBody>
-          <a:bodyPr wrap="square" rtlCol="0">
-            <a:spAutoFit/>
-          </a:bodyPr>
-          <a:lstStyle/>
-          <a:p>
-            <a:r>
-              <a:rPr lang="ko-KR" altLang="en-US" sz="2800" b="1" spc="-150" dirty="0" err="1">
-                <a:solidFill>
-                  <a:schemeClr val="accent2">
-                    <a:lumMod val="50000"/>
-                  </a:schemeClr>
-                </a:solidFill>
-                <a:latin typeface="+mj-ea"/>
-                <a:ea typeface="+mj-ea"/>
-              </a:rPr>
-              <a:t>유스케이스</a:t>
-            </a:r>
-            <a:r>
-              <a:rPr lang="en-US" altLang="ko-KR" sz="2800" b="1" spc="-150" dirty="0">
-                <a:solidFill>
-                  <a:schemeClr val="accent2">
-                    <a:lumMod val="50000"/>
-                  </a:schemeClr>
-                </a:solidFill>
-                <a:latin typeface="+mj-ea"/>
-                <a:ea typeface="+mj-ea"/>
-              </a:rPr>
-              <a:t> </a:t>
-            </a:r>
-            <a:r>
-              <a:rPr lang="ko-KR" altLang="en-US" sz="2800" b="1" spc="-150" dirty="0">
-                <a:solidFill>
-                  <a:schemeClr val="accent2">
-                    <a:lumMod val="50000"/>
-                  </a:schemeClr>
-                </a:solidFill>
-                <a:latin typeface="+mj-ea"/>
-                <a:ea typeface="+mj-ea"/>
-              </a:rPr>
-              <a:t>다이어그램 </a:t>
-            </a:r>
-            <a:r>
-              <a:rPr lang="en-US" altLang="ko-KR" sz="2800" b="1" spc="-150" dirty="0">
-                <a:solidFill>
-                  <a:schemeClr val="accent2">
-                    <a:lumMod val="50000"/>
-                  </a:schemeClr>
-                </a:solidFill>
-                <a:latin typeface="+mj-ea"/>
-                <a:ea typeface="+mj-ea"/>
-              </a:rPr>
-              <a:t>- </a:t>
-            </a:r>
-            <a:r>
-              <a:rPr lang="ko-KR" altLang="en-US" sz="2800" b="1" spc="-150" dirty="0">
-                <a:solidFill>
-                  <a:schemeClr val="accent2">
-                    <a:lumMod val="50000"/>
-                  </a:schemeClr>
-                </a:solidFill>
-                <a:latin typeface="+mj-ea"/>
-                <a:ea typeface="+mj-ea"/>
-              </a:rPr>
-              <a:t>레시피</a:t>
-            </a:r>
-          </a:p>
-        </p:txBody>
-      </p:sp>
-      <p:pic>
-        <p:nvPicPr>
-          <p:cNvPr id="4" name="그림 3">
-            <a:extLst>
-              <a:ext uri="{FF2B5EF4-FFF2-40B4-BE49-F238E27FC236}">
-                <a16:creationId xmlns:a16="http://schemas.microsoft.com/office/drawing/2014/main" id="{1176B22F-D79D-3F22-9FBA-561DFCC2F5CB}"/>
-              </a:ext>
-            </a:extLst>
-          </p:cNvPr>
-          <p:cNvPicPr>
-            <a:picLocks noChangeAspect="1"/>
-          </p:cNvPicPr>
-          <p:nvPr/>
-        </p:nvPicPr>
-        <p:blipFill>
-          <a:blip r:embed="rId2">
-            <a:extLst>
-              <a:ext uri="{28A0092B-C50C-407E-A947-70E740481C1C}">
-                <a14:useLocalDpi xmlns:a14="http://schemas.microsoft.com/office/drawing/2010/main" val="0"/>
-              </a:ext>
-            </a:extLst>
-          </a:blip>
-          <a:stretch>
-            <a:fillRect/>
-          </a:stretch>
-        </p:blipFill>
-        <p:spPr>
-          <a:xfrm>
-            <a:off x="1543049" y="1909762"/>
-            <a:ext cx="9365667" cy="3795713"/>
-          </a:xfrm>
-          <a:prstGeom prst="rect">
-            <a:avLst/>
-          </a:prstGeom>
-        </p:spPr>
-      </p:pic>
-    </p:spTree>
-    <p:extLst>
-      <p:ext uri="{BB962C8B-B14F-4D97-AF65-F5344CB8AC3E}">
-        <p14:creationId xmlns:p14="http://schemas.microsoft.com/office/powerpoint/2010/main" val="630802178"/>
       </p:ext>
     </p:extLst>
   </p:cSld>
@@ -14667,6 +14679,299 @@
                 <a:latin typeface="+mj-ea"/>
                 <a:ea typeface="+mj-ea"/>
               </a:rPr>
+              <a:t>다이어그램 </a:t>
+            </a:r>
+            <a:r>
+              <a:rPr lang="en-US" altLang="ko-KR" sz="2800" b="1" spc="-150" dirty="0">
+                <a:solidFill>
+                  <a:schemeClr val="accent2">
+                    <a:lumMod val="50000"/>
+                  </a:schemeClr>
+                </a:solidFill>
+                <a:latin typeface="+mj-ea"/>
+                <a:ea typeface="+mj-ea"/>
+              </a:rPr>
+              <a:t>- </a:t>
+            </a:r>
+            <a:r>
+              <a:rPr lang="ko-KR" altLang="en-US" sz="2800" b="1" spc="-150" dirty="0">
+                <a:solidFill>
+                  <a:schemeClr val="accent2">
+                    <a:lumMod val="50000"/>
+                  </a:schemeClr>
+                </a:solidFill>
+                <a:latin typeface="+mj-ea"/>
+                <a:ea typeface="+mj-ea"/>
+              </a:rPr>
+              <a:t>레시피</a:t>
+            </a:r>
+          </a:p>
+        </p:txBody>
+      </p:sp>
+      <p:pic>
+        <p:nvPicPr>
+          <p:cNvPr id="4" name="그림 3">
+            <a:extLst>
+              <a:ext uri="{FF2B5EF4-FFF2-40B4-BE49-F238E27FC236}">
+                <a16:creationId xmlns:a16="http://schemas.microsoft.com/office/drawing/2014/main" id="{1176B22F-D79D-3F22-9FBA-561DFCC2F5CB}"/>
+              </a:ext>
+            </a:extLst>
+          </p:cNvPr>
+          <p:cNvPicPr>
+            <a:picLocks noChangeAspect="1"/>
+          </p:cNvPicPr>
+          <p:nvPr/>
+        </p:nvPicPr>
+        <p:blipFill>
+          <a:blip r:embed="rId2">
+            <a:extLst>
+              <a:ext uri="{28A0092B-C50C-407E-A947-70E740481C1C}">
+                <a14:useLocalDpi xmlns:a14="http://schemas.microsoft.com/office/drawing/2010/main" val="0"/>
+              </a:ext>
+            </a:extLst>
+          </a:blip>
+          <a:stretch>
+            <a:fillRect/>
+          </a:stretch>
+        </p:blipFill>
+        <p:spPr>
+          <a:xfrm>
+            <a:off x="1543049" y="1909762"/>
+            <a:ext cx="9365667" cy="3795713"/>
+          </a:xfrm>
+          <a:prstGeom prst="rect">
+            <a:avLst/>
+          </a:prstGeom>
+        </p:spPr>
+      </p:pic>
+    </p:spTree>
+    <p:extLst>
+      <p:ext uri="{BB962C8B-B14F-4D97-AF65-F5344CB8AC3E}">
+        <p14:creationId xmlns:p14="http://schemas.microsoft.com/office/powerpoint/2010/main" val="630802178"/>
+      </p:ext>
+    </p:extLst>
+  </p:cSld>
+  <p:clrMapOvr>
+    <a:masterClrMapping/>
+  </p:clrMapOvr>
+  <mc:AlternateContent xmlns:mc="http://schemas.openxmlformats.org/markup-compatibility/2006" xmlns:p14="http://schemas.microsoft.com/office/powerpoint/2010/main">
+    <mc:Choice Requires="p14">
+      <p:transition spd="med" p14:dur="700">
+        <p:fade/>
+      </p:transition>
+    </mc:Choice>
+    <mc:Fallback xmlns="">
+      <p:transition spd="med">
+        <p:fade/>
+      </p:transition>
+    </mc:Fallback>
+  </mc:AlternateContent>
+</p:sld>
+</file>
+
+<file path=ppt/slides/slide21.xml><?xml version="1.0" encoding="utf-8"?>
+<p:sld xmlns:a="http://schemas.openxmlformats.org/drawingml/2006/main" xmlns:r="http://schemas.openxmlformats.org/officeDocument/2006/relationships" xmlns:p="http://schemas.openxmlformats.org/presentationml/2006/main">
+  <p:cSld>
+    <p:spTree>
+      <p:nvGrpSpPr>
+        <p:cNvPr id="1" name=""/>
+        <p:cNvGrpSpPr/>
+        <p:nvPr/>
+      </p:nvGrpSpPr>
+      <p:grpSpPr>
+        <a:xfrm>
+          <a:off x="0" y="0"/>
+          <a:ext cx="0" cy="0"/>
+          <a:chOff x="0" y="0"/>
+          <a:chExt cx="0" cy="0"/>
+        </a:xfrm>
+      </p:grpSpPr>
+      <p:grpSp>
+        <p:nvGrpSpPr>
+          <p:cNvPr id="5" name="그룹 4">
+            <a:extLst>
+              <a:ext uri="{FF2B5EF4-FFF2-40B4-BE49-F238E27FC236}">
+                <a16:creationId xmlns:a16="http://schemas.microsoft.com/office/drawing/2014/main" id="{A2449D8F-884D-5D19-165F-EB57479089EB}"/>
+              </a:ext>
+            </a:extLst>
+          </p:cNvPr>
+          <p:cNvGrpSpPr/>
+          <p:nvPr/>
+        </p:nvGrpSpPr>
+        <p:grpSpPr>
+          <a:xfrm>
+            <a:off x="334537" y="292343"/>
+            <a:ext cx="1282390" cy="494371"/>
+            <a:chOff x="334537" y="267629"/>
+            <a:chExt cx="1282390" cy="494371"/>
+          </a:xfrm>
+          <a:solidFill>
+            <a:srgbClr val="40623D"/>
+          </a:solidFill>
+        </p:grpSpPr>
+        <p:sp>
+          <p:nvSpPr>
+            <p:cNvPr id="6" name="사각형: 둥근 모서리 5">
+              <a:extLst>
+                <a:ext uri="{FF2B5EF4-FFF2-40B4-BE49-F238E27FC236}">
+                  <a16:creationId xmlns:a16="http://schemas.microsoft.com/office/drawing/2014/main" id="{D1C29DCC-B007-9B28-F0ED-7D47503F3214}"/>
+                </a:ext>
+              </a:extLst>
+            </p:cNvPr>
+            <p:cNvSpPr/>
+            <p:nvPr/>
+          </p:nvSpPr>
+          <p:spPr>
+            <a:xfrm>
+              <a:off x="334537" y="267629"/>
+              <a:ext cx="1282390" cy="494371"/>
+            </a:xfrm>
+            <a:prstGeom prst="roundRect">
+              <a:avLst>
+                <a:gd name="adj" fmla="val 50000"/>
+              </a:avLst>
+            </a:prstGeom>
+            <a:grpFill/>
+            <a:ln>
+              <a:noFill/>
+            </a:ln>
+          </p:spPr>
+          <p:style>
+            <a:lnRef idx="2">
+              <a:schemeClr val="accent1">
+                <a:shade val="50000"/>
+              </a:schemeClr>
+            </a:lnRef>
+            <a:fillRef idx="1">
+              <a:schemeClr val="accent1"/>
+            </a:fillRef>
+            <a:effectRef idx="0">
+              <a:schemeClr val="accent1"/>
+            </a:effectRef>
+            <a:fontRef idx="minor">
+              <a:schemeClr val="lt1"/>
+            </a:fontRef>
+          </p:style>
+          <p:txBody>
+            <a:bodyPr rtlCol="0" anchor="ctr"/>
+            <a:lstStyle/>
+            <a:p>
+              <a:pPr algn="ctr"/>
+              <a:endParaRPr lang="ko-KR" altLang="en-US"/>
+            </a:p>
+          </p:txBody>
+        </p:sp>
+        <p:sp>
+          <p:nvSpPr>
+            <p:cNvPr id="7" name="TextBox 6">
+              <a:extLst>
+                <a:ext uri="{FF2B5EF4-FFF2-40B4-BE49-F238E27FC236}">
+                  <a16:creationId xmlns:a16="http://schemas.microsoft.com/office/drawing/2014/main" id="{4E07EDC3-FA59-EB87-3960-62BE763DA29C}"/>
+                </a:ext>
+              </a:extLst>
+            </p:cNvPr>
+            <p:cNvSpPr txBox="1"/>
+            <p:nvPr/>
+          </p:nvSpPr>
+          <p:spPr>
+            <a:xfrm>
+              <a:off x="557562" y="316312"/>
+              <a:ext cx="808235" cy="369332"/>
+            </a:xfrm>
+            <a:prstGeom prst="rect">
+              <a:avLst/>
+            </a:prstGeom>
+            <a:grpFill/>
+          </p:spPr>
+          <p:txBody>
+            <a:bodyPr wrap="none" rtlCol="0">
+              <a:spAutoFit/>
+            </a:bodyPr>
+            <a:lstStyle/>
+            <a:p>
+              <a:r>
+                <a:rPr lang="en-US" altLang="ko-KR" b="1" dirty="0">
+                  <a:solidFill>
+                    <a:schemeClr val="bg1"/>
+                  </a:solidFill>
+                  <a:latin typeface="+mj-ea"/>
+                  <a:ea typeface="+mj-ea"/>
+                </a:rPr>
+                <a:t>Part 3</a:t>
+              </a:r>
+              <a:endParaRPr lang="ko-KR" altLang="en-US" b="1" dirty="0">
+                <a:solidFill>
+                  <a:schemeClr val="bg1"/>
+                </a:solidFill>
+                <a:latin typeface="+mj-ea"/>
+                <a:ea typeface="+mj-ea"/>
+              </a:endParaRPr>
+            </a:p>
+          </p:txBody>
+        </p:sp>
+      </p:grpSp>
+      <p:sp>
+        <p:nvSpPr>
+          <p:cNvPr id="8" name="TextBox 7">
+            <a:extLst>
+              <a:ext uri="{FF2B5EF4-FFF2-40B4-BE49-F238E27FC236}">
+                <a16:creationId xmlns:a16="http://schemas.microsoft.com/office/drawing/2014/main" id="{8C200553-37C6-FFB4-57FC-244375D26B87}"/>
+              </a:ext>
+            </a:extLst>
+          </p:cNvPr>
+          <p:cNvSpPr txBox="1"/>
+          <p:nvPr/>
+        </p:nvSpPr>
+        <p:spPr>
+          <a:xfrm flipH="1">
+            <a:off x="1735019" y="263494"/>
+            <a:ext cx="5625150" cy="523220"/>
+          </a:xfrm>
+          <a:prstGeom prst="rect">
+            <a:avLst/>
+          </a:prstGeom>
+          <a:noFill/>
+        </p:spPr>
+        <p:txBody>
+          <a:bodyPr wrap="square" rtlCol="0">
+            <a:spAutoFit/>
+          </a:bodyPr>
+          <a:lstStyle/>
+          <a:p>
+            <a:r>
+              <a:rPr lang="ko-KR" altLang="en-US" sz="2800" b="1" spc="-150" dirty="0" err="1">
+                <a:solidFill>
+                  <a:schemeClr val="accent2">
+                    <a:lumMod val="50000"/>
+                  </a:schemeClr>
+                </a:solidFill>
+                <a:latin typeface="+mj-ea"/>
+                <a:ea typeface="+mj-ea"/>
+              </a:rPr>
+              <a:t>유스케이스</a:t>
+            </a:r>
+            <a:r>
+              <a:rPr lang="en-US" altLang="ko-KR" sz="2800" b="1" spc="-150" dirty="0">
+                <a:solidFill>
+                  <a:schemeClr val="accent2">
+                    <a:lumMod val="50000"/>
+                  </a:schemeClr>
+                </a:solidFill>
+                <a:latin typeface="+mj-ea"/>
+                <a:ea typeface="+mj-ea"/>
+              </a:rPr>
+              <a:t> </a:t>
+            </a:r>
+            <a:r>
+              <a:rPr lang="ko-KR" altLang="en-US" sz="2800" b="1" spc="-150" dirty="0">
+                <a:solidFill>
+                  <a:schemeClr val="accent2">
+                    <a:lumMod val="50000"/>
+                  </a:schemeClr>
+                </a:solidFill>
+                <a:latin typeface="+mj-ea"/>
+                <a:ea typeface="+mj-ea"/>
+              </a:rPr>
               <a:t>명세서 </a:t>
             </a:r>
             <a:r>
@@ -16158,7 +16463,7 @@
 </p:sld>
 </file>
 
-<file path=ppt/slides/slide21.xml><?xml version="1.0" encoding="utf-8"?>
+<file path=ppt/slides/slide22.xml><?xml version="1.0" encoding="utf-8"?>
 <p:sld xmlns:a="http://schemas.openxmlformats.org/drawingml/2006/main" xmlns:r="http://schemas.openxmlformats.org/officeDocument/2006/relationships" xmlns:p="http://schemas.openxmlformats.org/presentationml/2006/main">
   <p:cSld>
     <p:bg>
@@ -16289,8 +16594,8 @@
         </p:nvSpPr>
         <p:spPr>
           <a:xfrm>
-            <a:off x="5009481" y="2506119"/>
-            <a:ext cx="2173037" cy="1845762"/>
+            <a:off x="4886499" y="2422570"/>
+            <a:ext cx="2419002" cy="2012859"/>
           </a:xfrm>
           <a:prstGeom prst="rect">
             <a:avLst/>
@@ -16317,7 +16622,7 @@
               <a:t>-</a:t>
             </a:r>
             <a:r>
-              <a:rPr lang="ko-KR" altLang="en-US" sz="9600" b="1" dirty="0">
+              <a:rPr lang="ko-KR" altLang="en-US" sz="9600" b="1" dirty="0" smtClean="0">
                 <a:solidFill>
                   <a:schemeClr val="bg1"/>
                 </a:solidFill>
@@ -16330,7 +16635,15 @@
                   <a:schemeClr val="bg1"/>
                 </a:solidFill>
               </a:rPr>
-              <a:t>- </a:t>
+              <a:t>-</a:t>
+            </a:r>
+            <a:r>
+              <a:rPr lang="en-US" altLang="ko-KR" sz="9600" b="1" dirty="0" smtClean="0">
+                <a:solidFill>
+                  <a:schemeClr val="bg1"/>
+                </a:solidFill>
+              </a:rPr>
+              <a:t> </a:t>
             </a:r>
             <a:endParaRPr lang="ko-KR" altLang="en-US" sz="9600" b="1" dirty="0">
               <a:solidFill>
@@ -16411,7 +16724,7 @@
                 <a14:useLocalDpi xmlns:a14="http://schemas.microsoft.com/office/drawing/2010/main" val="0"/>
               </a:ext>
               <a:ext uri="{96DAC541-7B7A-43D3-8B79-37D633B846F1}">
-                <asvg:svgBlip xmlns:asvg="http://schemas.microsoft.com/office/drawing/2016/SVG/main" r:embed="rId3"/>
+                <asvg:svgBlip xmlns="" xmlns:asvg="http://schemas.microsoft.com/office/drawing/2016/SVG/main" r:embed="rId3"/>
               </a:ext>
             </a:extLst>
           </a:blip>
@@ -16620,8 +16933,8 @@
         </p:nvSpPr>
         <p:spPr>
           <a:xfrm>
-            <a:off x="1607127" y="786714"/>
-            <a:ext cx="8977745" cy="5093702"/>
+            <a:off x="1616927" y="1086517"/>
+            <a:ext cx="8977745" cy="4785926"/>
           </a:xfrm>
           <a:prstGeom prst="rect">
             <a:avLst/>
@@ -16718,7 +17031,7 @@
               <a:t>식품 낭비 감소와 환경 보호를 위한 개인 맞춤형 재료 관리 및 레시피 추천 앱</a:t>
             </a:r>
             <a:r>
-              <a:rPr lang="en-US" altLang="ko-KR" sz="2000" dirty="0">
+              <a:rPr lang="en-US" altLang="ko-KR" sz="2000" dirty="0" smtClean="0">
                 <a:solidFill>
                   <a:srgbClr val="40623D"/>
                 </a:solidFill>
@@ -16729,8 +17042,11 @@
             </a:r>
           </a:p>
           <a:p>
-            <a:pPr lvl="0"/>
-            <a:endParaRPr lang="en-US" altLang="ko-KR" sz="2000" b="1" dirty="0">
+            <a:pPr marL="342900" lvl="0" indent="-342900">
+              <a:buFont typeface="Wingdings" panose="05000000000000000000" pitchFamily="2" charset="2"/>
+              <a:buChar char="ü"/>
+            </a:pPr>
+            <a:endParaRPr lang="en-US" altLang="ko-KR" sz="2000" dirty="0" smtClean="0">
               <a:solidFill>
                 <a:srgbClr val="40623D"/>
               </a:solidFill>
@@ -16751,7 +17067,7 @@
                 <a:latin typeface="맑은 고딕" panose="020F0502020204030204"/>
                 <a:ea typeface="맑은 고딕" panose="020B0503020000020004" pitchFamily="50" charset="-127"/>
               </a:rPr>
-              <a:t>환경적 영향</a:t>
+              <a:t>핵심 기능</a:t>
             </a:r>
             <a:r>
               <a:rPr lang="en-US" altLang="ko-KR" sz="2000" dirty="0">
@@ -16765,10 +17081,30 @@
             </a:r>
           </a:p>
           <a:p>
-            <a:pPr marL="800100" lvl="1" indent="-342900">
-              <a:buFont typeface="Wingdings" panose="05000000000000000000" pitchFamily="2" charset="2"/>
-              <a:buChar char="ü"/>
+            <a:pPr marL="914400" lvl="1" indent="-457200">
+              <a:buFont typeface="+mj-lt"/>
+              <a:buAutoNum type="arabicPeriod"/>
             </a:pPr>
+            <a:r>
+              <a:rPr lang="ko-KR" altLang="en-US" sz="2000" b="1" dirty="0">
+                <a:solidFill>
+                  <a:srgbClr val="40623D"/>
+                </a:solidFill>
+                <a:latin typeface="맑은 고딕" panose="020F0502020204030204"/>
+                <a:ea typeface="맑은 고딕" panose="020B0503020000020004" pitchFamily="50" charset="-127"/>
+              </a:rPr>
+              <a:t>재료 관리</a:t>
+            </a:r>
+            <a:r>
+              <a:rPr lang="en-US" altLang="ko-KR" sz="2000" dirty="0">
+                <a:solidFill>
+                  <a:srgbClr val="40623D"/>
+                </a:solidFill>
+                <a:latin typeface="맑은 고딕" panose="020F0502020204030204"/>
+                <a:ea typeface="맑은 고딕" panose="020B0503020000020004" pitchFamily="50" charset="-127"/>
+              </a:rPr>
+              <a:t>: </a:t>
+            </a:r>
             <a:r>
               <a:rPr lang="ko-KR" altLang="en-US" sz="2000" dirty="0">
                 <a:solidFill>
@@ -16777,7 +17113,7 @@
                 <a:latin typeface="맑은 고딕" panose="020F0502020204030204"/>
                 <a:ea typeface="맑은 고딕" panose="020B0503020000020004" pitchFamily="50" charset="-127"/>
               </a:rPr>
-              <a:t>재료의 효율적 사용을 통해 음식물 쓰레기와 탄소 발자국을 줄이며</a:t>
+              <a:t>사용자의 냉장고에 있는 재료를 쉽게 입력하고</a:t>
             </a:r>
             <a:r>
               <a:rPr lang="en-US" altLang="ko-KR" sz="2000" dirty="0">
@@ -16797,7 +17133,7 @@
                 <a:latin typeface="맑은 고딕" panose="020F0502020204030204"/>
                 <a:ea typeface="맑은 고딕" panose="020B0503020000020004" pitchFamily="50" charset="-127"/>
               </a:rPr>
-              <a:t>지구 환경 보호에 기여합니다</a:t>
+              <a:t>유통 기한을 추적하여 재료의 낭비를 방지합니다</a:t>
             </a:r>
             <a:r>
               <a:rPr lang="en-US" altLang="ko-KR" sz="2000" dirty="0">
@@ -16811,10 +17147,30 @@
             </a:r>
           </a:p>
           <a:p>
-            <a:pPr marL="800100" lvl="1" indent="-342900">
-              <a:buFont typeface="Wingdings" panose="05000000000000000000" pitchFamily="2" charset="2"/>
-              <a:buChar char="ü"/>
+            <a:pPr marL="914400" lvl="1" indent="-457200">
+              <a:buFont typeface="+mj-lt"/>
+              <a:buAutoNum type="arabicPeriod"/>
             </a:pPr>
+            <a:r>
+              <a:rPr lang="ko-KR" altLang="en-US" sz="2000" b="1" dirty="0">
+                <a:solidFill>
+                  <a:srgbClr val="40623D"/>
+                </a:solidFill>
+                <a:latin typeface="맑은 고딕" panose="020F0502020204030204"/>
+                <a:ea typeface="맑은 고딕" panose="020B0503020000020004" pitchFamily="50" charset="-127"/>
+              </a:rPr>
+              <a:t>맞춤 레시피 추천</a:t>
+            </a:r>
+            <a:r>
+              <a:rPr lang="en-US" altLang="ko-KR" sz="2000" dirty="0">
+                <a:solidFill>
+                  <a:srgbClr val="40623D"/>
+                </a:solidFill>
+                <a:latin typeface="맑은 고딕" panose="020F0502020204030204"/>
+                <a:ea typeface="맑은 고딕" panose="020B0503020000020004" pitchFamily="50" charset="-127"/>
+              </a:rPr>
+              <a:t>: </a:t>
+            </a:r>
             <a:r>
               <a:rPr lang="ko-KR" altLang="en-US" sz="2000" dirty="0">
                 <a:solidFill>
@@ -16823,7 +17179,7 @@
                 <a:latin typeface="맑은 고딕" panose="020F0502020204030204"/>
                 <a:ea typeface="맑은 고딕" panose="020B0503020000020004" pitchFamily="50" charset="-127"/>
               </a:rPr>
-              <a:t>지속 가능한 식생활을 촉진하고</a:t>
+              <a:t>사용자가 입력한 재료를 바탕으로</a:t>
             </a:r>
             <a:r>
               <a:rPr lang="en-US" altLang="ko-KR" sz="2000" dirty="0">
@@ -16843,7 +17199,7 @@
                 <a:latin typeface="맑은 고딕" panose="020F0502020204030204"/>
                 <a:ea typeface="맑은 고딕" panose="020B0503020000020004" pitchFamily="50" charset="-127"/>
               </a:rPr>
-              <a:t>경제적 절감 효과를 제공합니다</a:t>
+              <a:t>가능한 레시피를 제안하여 남은 재료를 최대한 활용할 수 있도록 돕습니다</a:t>
             </a:r>
             <a:r>
               <a:rPr lang="en-US" altLang="ko-KR" sz="2000" dirty="0">
@@ -16857,22 +17213,9 @@
             </a:r>
           </a:p>
           <a:p>
-            <a:pPr marL="342900" lvl="0" indent="-342900">
-              <a:buFont typeface="Wingdings" panose="05000000000000000000" pitchFamily="2" charset="2"/>
-              <a:buChar char="ü"/>
-            </a:pPr>
-            <a:endParaRPr lang="en-US" altLang="ko-KR" sz="2000" b="1" dirty="0">
-              <a:solidFill>
-                <a:srgbClr val="40623D"/>
-              </a:solidFill>
-              <a:latin typeface="맑은 고딕" panose="020F0502020204030204"/>
-              <a:ea typeface="맑은 고딕" panose="020B0503020000020004" pitchFamily="50" charset="-127"/>
-            </a:endParaRPr>
-          </a:p>
-          <a:p>
-            <a:pPr marL="342900" lvl="0" indent="-342900">
-              <a:buFont typeface="Wingdings" panose="05000000000000000000" pitchFamily="2" charset="2"/>
-              <a:buChar char="ü"/>
+            <a:pPr marL="914400" lvl="1" indent="-457200">
+              <a:buFont typeface="+mj-lt"/>
+              <a:buAutoNum type="arabicPeriod"/>
             </a:pPr>
             <a:r>
               <a:rPr lang="ko-KR" altLang="en-US" sz="2000" b="1" dirty="0">
@@ -16882,7 +17225,7 @@
                 <a:latin typeface="맑은 고딕" panose="020F0502020204030204"/>
                 <a:ea typeface="맑은 고딕" panose="020B0503020000020004" pitchFamily="50" charset="-127"/>
               </a:rPr>
-              <a:t>사용자 경험</a:t>
+              <a:t>재료 기반 쇼핑 리스트</a:t>
             </a:r>
             <a:r>
               <a:rPr lang="en-US" altLang="ko-KR" sz="2000" dirty="0">
@@ -16892,14 +17235,8 @@
                 <a:latin typeface="맑은 고딕" panose="020F0502020204030204"/>
                 <a:ea typeface="맑은 고딕" panose="020B0503020000020004" pitchFamily="50" charset="-127"/>
               </a:rPr>
-              <a:t>:</a:t>
+              <a:t>: </a:t>
             </a:r>
-          </a:p>
-          <a:p>
-            <a:pPr marL="800100" lvl="1" indent="-342900">
-              <a:buFont typeface="Wingdings" panose="05000000000000000000" pitchFamily="2" charset="2"/>
-              <a:buChar char="ü"/>
-            </a:pPr>
             <a:r>
               <a:rPr lang="ko-KR" altLang="en-US" sz="2000" dirty="0">
                 <a:solidFill>
@@ -16908,33 +17245,7 @@
                 <a:latin typeface="맑은 고딕" panose="020F0502020204030204"/>
                 <a:ea typeface="맑은 고딕" panose="020B0503020000020004" pitchFamily="50" charset="-127"/>
               </a:rPr>
-              <a:t>직관적이고 사용자 친화적인 인터페이스를 통해 모든 연령대가 쉽게 사용할 수 있습니다</a:t>
-            </a:r>
-            <a:r>
-              <a:rPr lang="en-US" altLang="ko-KR" sz="2000" dirty="0">
-                <a:solidFill>
-                  <a:srgbClr val="40623D"/>
-                </a:solidFill>
-                <a:latin typeface="맑은 고딕" panose="020F0502020204030204"/>
-                <a:ea typeface="맑은 고딕" panose="020B0503020000020004" pitchFamily="50" charset="-127"/>
-              </a:rPr>
-              <a:t>.</a:t>
-            </a:r>
-          </a:p>
-          <a:p>
-            <a:pPr marL="800100" lvl="1" indent="-342900">
-              <a:buFont typeface="Wingdings" panose="05000000000000000000" pitchFamily="2" charset="2"/>
-              <a:buChar char="ü"/>
-            </a:pPr>
-            <a:r>
-              <a:rPr lang="ko-KR" altLang="en-US" sz="2000" dirty="0">
-                <a:solidFill>
-                  <a:srgbClr val="40623D"/>
-                </a:solidFill>
-                <a:latin typeface="맑은 고딕" panose="020F0502020204030204"/>
-                <a:ea typeface="맑은 고딕" panose="020B0503020000020004" pitchFamily="50" charset="-127"/>
-              </a:rPr>
-              <a:t>커뮤니티 기능을 통해 사용자들이 레시피를 공유하고</a:t>
+              <a:t>선택한 레시피에 필요한 부족한 재료를 자동으로 파악하여 쇼핑 리스트를 제공</a:t>
             </a:r>
             <a:r>
               <a:rPr lang="en-US" altLang="ko-KR" sz="2000" dirty="0">
@@ -16954,7 +17265,7 @@
                 <a:latin typeface="맑은 고딕" panose="020F0502020204030204"/>
                 <a:ea typeface="맑은 고딕" panose="020B0503020000020004" pitchFamily="50" charset="-127"/>
               </a:rPr>
-              <a:t>환경 보호에 대한 인식을 함께 높일 수 있습니다</a:t>
+              <a:t>불필요한 구매 방지에 기여합니다</a:t>
             </a:r>
             <a:r>
               <a:rPr lang="en-US" altLang="ko-KR" sz="2000" dirty="0">
@@ -16966,6 +17277,29 @@
               </a:rPr>
               <a:t>.</a:t>
             </a:r>
+          </a:p>
+          <a:p>
+            <a:pPr marL="342900" lvl="0" indent="-342900">
+              <a:buFont typeface="Wingdings" panose="05000000000000000000" pitchFamily="2" charset="2"/>
+              <a:buChar char="ü"/>
+            </a:pPr>
+            <a:endParaRPr lang="en-US" altLang="ko-KR" sz="2000" dirty="0">
+              <a:solidFill>
+                <a:srgbClr val="40623D"/>
+              </a:solidFill>
+              <a:latin typeface="맑은 고딕" panose="020F0502020204030204"/>
+              <a:ea typeface="맑은 고딕" panose="020B0503020000020004" pitchFamily="50" charset="-127"/>
+            </a:endParaRPr>
+          </a:p>
+          <a:p>
+            <a:pPr lvl="0"/>
+            <a:endParaRPr lang="en-US" altLang="ko-KR" sz="2000" b="1" dirty="0">
+              <a:solidFill>
+                <a:srgbClr val="40623D"/>
+              </a:solidFill>
+              <a:latin typeface="맑은 고딕" panose="020F0502020204030204"/>
+              <a:ea typeface="맑은 고딕" panose="020B0503020000020004" pitchFamily="50" charset="-127"/>
+            </a:endParaRPr>
           </a:p>
         </p:txBody>
       </p:sp>
@@ -17122,7 +17456,7 @@
           <a:lstStyle/>
           <a:p>
             <a:r>
-              <a:rPr lang="ko-KR" altLang="en-US" sz="2800" b="1" spc="-150" dirty="0">
+              <a:rPr lang="ko-KR" altLang="en-US" sz="2800" b="1" spc="-150" dirty="0" smtClean="0">
                 <a:solidFill>
                   <a:srgbClr val="40623D"/>
                 </a:solidFill>
@@ -17131,6 +17465,33 @@
               </a:rPr>
               <a:t>소개</a:t>
             </a:r>
+            <a:r>
+              <a:rPr lang="en-US" altLang="ko-KR" sz="2800" b="1" spc="-150" dirty="0">
+                <a:solidFill>
+                  <a:srgbClr val="40623D"/>
+                </a:solidFill>
+                <a:latin typeface="+mj-ea"/>
+                <a:ea typeface="+mj-ea"/>
+              </a:rPr>
+              <a:t> </a:t>
+            </a:r>
+            <a:r>
+              <a:rPr lang="en-US" altLang="ko-KR" sz="2800" b="1" spc="-150" dirty="0" smtClean="0">
+                <a:solidFill>
+                  <a:srgbClr val="40623D"/>
+                </a:solidFill>
+                <a:latin typeface="+mj-ea"/>
+                <a:ea typeface="+mj-ea"/>
+              </a:rPr>
+              <a:t>- 1</a:t>
+            </a:r>
+            <a:endParaRPr lang="ko-KR" altLang="en-US" sz="2800" b="1" spc="-150" dirty="0">
+              <a:solidFill>
+                <a:srgbClr val="40623D"/>
+              </a:solidFill>
+              <a:latin typeface="+mj-ea"/>
+              <a:ea typeface="+mj-ea"/>
+            </a:endParaRPr>
           </a:p>
         </p:txBody>
       </p:sp>
@@ -17148,7 +17509,7 @@
         </p:nvSpPr>
         <p:spPr>
           <a:xfrm>
-            <a:off x="5750560" y="7116467"/>
+            <a:off x="230977" y="7168135"/>
             <a:ext cx="6096000" cy="3477875"/>
           </a:xfrm>
           <a:prstGeom prst="rect">
@@ -17425,6 +17786,498 @@
 <file path=ppt/slides/slide5.xml><?xml version="1.0" encoding="utf-8"?>
 <p:sld xmlns:a="http://schemas.openxmlformats.org/drawingml/2006/main" xmlns:r="http://schemas.openxmlformats.org/officeDocument/2006/relationships" xmlns:p="http://schemas.openxmlformats.org/presentationml/2006/main">
   <p:cSld>
+    <p:spTree>
+      <p:nvGrpSpPr>
+        <p:cNvPr id="1" name=""/>
+        <p:cNvGrpSpPr/>
+        <p:nvPr/>
+      </p:nvGrpSpPr>
+      <p:grpSpPr>
+        <a:xfrm>
+          <a:off x="0" y="0"/>
+          <a:ext cx="0" cy="0"/>
+          <a:chOff x="0" y="0"/>
+          <a:chExt cx="0" cy="0"/>
+        </a:xfrm>
+      </p:grpSpPr>
+      <p:grpSp>
+        <p:nvGrpSpPr>
+          <p:cNvPr id="2" name="그룹 1">
+            <a:extLst>
+              <a:ext uri="{FF2B5EF4-FFF2-40B4-BE49-F238E27FC236}">
+                <a16:creationId xmlns:a16="http://schemas.microsoft.com/office/drawing/2014/main" id="{49E463BF-95AB-69BD-9AD1-DE13917E0FE7}"/>
+              </a:ext>
+            </a:extLst>
+          </p:cNvPr>
+          <p:cNvGrpSpPr/>
+          <p:nvPr/>
+        </p:nvGrpSpPr>
+        <p:grpSpPr>
+          <a:xfrm>
+            <a:off x="334537" y="292343"/>
+            <a:ext cx="1282390" cy="494371"/>
+            <a:chOff x="334537" y="267629"/>
+            <a:chExt cx="1282390" cy="494371"/>
+          </a:xfrm>
+          <a:solidFill>
+            <a:srgbClr val="40623D"/>
+          </a:solidFill>
+        </p:grpSpPr>
+        <p:sp>
+          <p:nvSpPr>
+            <p:cNvPr id="3" name="사각형: 둥근 모서리 2">
+              <a:extLst>
+                <a:ext uri="{FF2B5EF4-FFF2-40B4-BE49-F238E27FC236}">
+                  <a16:creationId xmlns:a16="http://schemas.microsoft.com/office/drawing/2014/main" id="{F576B4C6-C487-7ACF-8602-05A4B9A16C70}"/>
+                </a:ext>
+              </a:extLst>
+            </p:cNvPr>
+            <p:cNvSpPr/>
+            <p:nvPr/>
+          </p:nvSpPr>
+          <p:spPr>
+            <a:xfrm>
+              <a:off x="334537" y="267629"/>
+              <a:ext cx="1282390" cy="494371"/>
+            </a:xfrm>
+            <a:prstGeom prst="roundRect">
+              <a:avLst>
+                <a:gd name="adj" fmla="val 50000"/>
+              </a:avLst>
+            </a:prstGeom>
+            <a:grpFill/>
+            <a:ln>
+              <a:noFill/>
+            </a:ln>
+          </p:spPr>
+          <p:style>
+            <a:lnRef idx="2">
+              <a:schemeClr val="accent1">
+                <a:shade val="50000"/>
+              </a:schemeClr>
+            </a:lnRef>
+            <a:fillRef idx="1">
+              <a:schemeClr val="accent1"/>
+            </a:fillRef>
+            <a:effectRef idx="0">
+              <a:schemeClr val="accent1"/>
+            </a:effectRef>
+            <a:fontRef idx="minor">
+              <a:schemeClr val="lt1"/>
+            </a:fontRef>
+          </p:style>
+          <p:txBody>
+            <a:bodyPr rtlCol="0" anchor="ctr"/>
+            <a:lstStyle/>
+            <a:p>
+              <a:pPr algn="ctr"/>
+              <a:endParaRPr lang="ko-KR" altLang="en-US"/>
+            </a:p>
+          </p:txBody>
+        </p:sp>
+        <p:sp>
+          <p:nvSpPr>
+            <p:cNvPr id="4" name="TextBox 3">
+              <a:extLst>
+                <a:ext uri="{FF2B5EF4-FFF2-40B4-BE49-F238E27FC236}">
+                  <a16:creationId xmlns:a16="http://schemas.microsoft.com/office/drawing/2014/main" id="{AAC180C9-E08D-1661-1956-BE100A4B0368}"/>
+                </a:ext>
+              </a:extLst>
+            </p:cNvPr>
+            <p:cNvSpPr txBox="1"/>
+            <p:nvPr/>
+          </p:nvSpPr>
+          <p:spPr>
+            <a:xfrm>
+              <a:off x="557562" y="316312"/>
+              <a:ext cx="749244" cy="369332"/>
+            </a:xfrm>
+            <a:prstGeom prst="rect">
+              <a:avLst/>
+            </a:prstGeom>
+            <a:grpFill/>
+          </p:spPr>
+          <p:txBody>
+            <a:bodyPr wrap="none" rtlCol="0">
+              <a:spAutoFit/>
+            </a:bodyPr>
+            <a:lstStyle/>
+            <a:p>
+              <a:r>
+                <a:rPr lang="en-US" altLang="ko-KR" b="1" dirty="0">
+                  <a:solidFill>
+                    <a:schemeClr val="bg1"/>
+                  </a:solidFill>
+                  <a:latin typeface="+mj-ea"/>
+                  <a:ea typeface="+mj-ea"/>
+                </a:rPr>
+                <a:t>Part 1</a:t>
+              </a:r>
+              <a:endParaRPr lang="ko-KR" altLang="en-US" b="1" dirty="0">
+                <a:solidFill>
+                  <a:schemeClr val="bg1"/>
+                </a:solidFill>
+                <a:latin typeface="+mj-ea"/>
+                <a:ea typeface="+mj-ea"/>
+              </a:endParaRPr>
+            </a:p>
+          </p:txBody>
+        </p:sp>
+      </p:grpSp>
+      <p:sp>
+        <p:nvSpPr>
+          <p:cNvPr id="9" name="TextBox 8">
+            <a:extLst>
+              <a:ext uri="{FF2B5EF4-FFF2-40B4-BE49-F238E27FC236}">
+                <a16:creationId xmlns:a16="http://schemas.microsoft.com/office/drawing/2014/main" id="{FCAECB70-5C59-0AD4-BA86-C8544812953B}"/>
+              </a:ext>
+            </a:extLst>
+          </p:cNvPr>
+          <p:cNvSpPr txBox="1"/>
+          <p:nvPr/>
+        </p:nvSpPr>
+        <p:spPr>
+          <a:xfrm flipH="1">
+            <a:off x="1735021" y="263494"/>
+            <a:ext cx="3319889" cy="523220"/>
+          </a:xfrm>
+          <a:prstGeom prst="rect">
+            <a:avLst/>
+          </a:prstGeom>
+          <a:noFill/>
+        </p:spPr>
+        <p:txBody>
+          <a:bodyPr wrap="square" rtlCol="0">
+            <a:spAutoFit/>
+          </a:bodyPr>
+          <a:lstStyle/>
+          <a:p>
+            <a:r>
+              <a:rPr lang="ko-KR" altLang="en-US" sz="2800" b="1" spc="-150" dirty="0" smtClean="0">
+                <a:solidFill>
+                  <a:srgbClr val="40623D"/>
+                </a:solidFill>
+                <a:latin typeface="+mj-ea"/>
+                <a:ea typeface="+mj-ea"/>
+              </a:rPr>
+              <a:t>소개</a:t>
+            </a:r>
+            <a:r>
+              <a:rPr lang="en-US" altLang="ko-KR" sz="2800" b="1" spc="-150" dirty="0">
+                <a:solidFill>
+                  <a:srgbClr val="40623D"/>
+                </a:solidFill>
+                <a:latin typeface="+mj-ea"/>
+                <a:ea typeface="+mj-ea"/>
+              </a:rPr>
+              <a:t> </a:t>
+            </a:r>
+            <a:r>
+              <a:rPr lang="en-US" altLang="ko-KR" sz="2800" b="1" spc="-150" dirty="0" smtClean="0">
+                <a:solidFill>
+                  <a:srgbClr val="40623D"/>
+                </a:solidFill>
+                <a:latin typeface="+mj-ea"/>
+                <a:ea typeface="+mj-ea"/>
+              </a:rPr>
+              <a:t>- 2</a:t>
+            </a:r>
+            <a:endParaRPr lang="ko-KR" altLang="en-US" sz="2800" b="1" spc="-150" dirty="0">
+              <a:solidFill>
+                <a:srgbClr val="40623D"/>
+              </a:solidFill>
+              <a:latin typeface="+mj-ea"/>
+              <a:ea typeface="+mj-ea"/>
+            </a:endParaRPr>
+          </a:p>
+        </p:txBody>
+      </p:sp>
+      <p:sp>
+        <p:nvSpPr>
+          <p:cNvPr id="8" name="직사각형 7"/>
+          <p:cNvSpPr/>
+          <p:nvPr/>
+        </p:nvSpPr>
+        <p:spPr>
+          <a:xfrm>
+            <a:off x="1616927" y="1710602"/>
+            <a:ext cx="8346727" cy="3170099"/>
+          </a:xfrm>
+          <a:prstGeom prst="rect">
+            <a:avLst/>
+          </a:prstGeom>
+        </p:spPr>
+        <p:txBody>
+          <a:bodyPr wrap="square">
+            <a:spAutoFit/>
+          </a:bodyPr>
+          <a:lstStyle/>
+          <a:p>
+            <a:pPr marL="342900" lvl="0" indent="-342900">
+              <a:buFont typeface="Wingdings" panose="05000000000000000000" pitchFamily="2" charset="2"/>
+              <a:buChar char="ü"/>
+            </a:pPr>
+            <a:r>
+              <a:rPr lang="ko-KR" altLang="en-US" sz="2000" b="1" dirty="0">
+                <a:solidFill>
+                  <a:srgbClr val="40623D"/>
+                </a:solidFill>
+                <a:latin typeface="맑은 고딕" panose="020F0502020204030204"/>
+                <a:ea typeface="맑은 고딕" panose="020B0503020000020004" pitchFamily="50" charset="-127"/>
+              </a:rPr>
+              <a:t>환경적 영향</a:t>
+            </a:r>
+            <a:r>
+              <a:rPr lang="en-US" altLang="ko-KR" sz="2000" dirty="0">
+                <a:solidFill>
+                  <a:srgbClr val="40623D"/>
+                </a:solidFill>
+                <a:latin typeface="맑은 고딕" panose="020F0502020204030204"/>
+                <a:ea typeface="맑은 고딕" panose="020B0503020000020004" pitchFamily="50" charset="-127"/>
+              </a:rPr>
+              <a:t>:</a:t>
+            </a:r>
+          </a:p>
+          <a:p>
+            <a:pPr marL="800100" lvl="1" indent="-342900">
+              <a:buFont typeface="Wingdings" panose="05000000000000000000" pitchFamily="2" charset="2"/>
+              <a:buChar char="ü"/>
+            </a:pPr>
+            <a:r>
+              <a:rPr lang="ko-KR" altLang="en-US" sz="2000" dirty="0">
+                <a:solidFill>
+                  <a:srgbClr val="40623D"/>
+                </a:solidFill>
+                <a:latin typeface="맑은 고딕" panose="020F0502020204030204"/>
+                <a:ea typeface="맑은 고딕" panose="020B0503020000020004" pitchFamily="50" charset="-127"/>
+              </a:rPr>
+              <a:t>재료의 효율적 사용을 통해 음식물 쓰레기와 탄소 발자국을 줄이며</a:t>
+            </a:r>
+            <a:r>
+              <a:rPr lang="en-US" altLang="ko-KR" sz="2000" dirty="0">
+                <a:solidFill>
+                  <a:srgbClr val="40623D"/>
+                </a:solidFill>
+                <a:latin typeface="맑은 고딕" panose="020F0502020204030204"/>
+                <a:ea typeface="맑은 고딕" panose="020B0503020000020004" pitchFamily="50" charset="-127"/>
+              </a:rPr>
+              <a:t>, </a:t>
+            </a:r>
+            <a:r>
+              <a:rPr lang="ko-KR" altLang="en-US" sz="2000" dirty="0">
+                <a:solidFill>
+                  <a:srgbClr val="40623D"/>
+                </a:solidFill>
+                <a:latin typeface="맑은 고딕" panose="020F0502020204030204"/>
+                <a:ea typeface="맑은 고딕" panose="020B0503020000020004" pitchFamily="50" charset="-127"/>
+              </a:rPr>
+              <a:t>지구 환경 보호에 기여합니다</a:t>
+            </a:r>
+            <a:r>
+              <a:rPr lang="en-US" altLang="ko-KR" sz="2000" dirty="0">
+                <a:solidFill>
+                  <a:srgbClr val="40623D"/>
+                </a:solidFill>
+                <a:latin typeface="맑은 고딕" panose="020F0502020204030204"/>
+                <a:ea typeface="맑은 고딕" panose="020B0503020000020004" pitchFamily="50" charset="-127"/>
+              </a:rPr>
+              <a:t>.</a:t>
+            </a:r>
+          </a:p>
+          <a:p>
+            <a:pPr marL="800100" lvl="1" indent="-342900">
+              <a:buFont typeface="Wingdings" panose="05000000000000000000" pitchFamily="2" charset="2"/>
+              <a:buChar char="ü"/>
+            </a:pPr>
+            <a:r>
+              <a:rPr lang="ko-KR" altLang="en-US" sz="2000" dirty="0">
+                <a:solidFill>
+                  <a:srgbClr val="40623D"/>
+                </a:solidFill>
+                <a:latin typeface="맑은 고딕" panose="020F0502020204030204"/>
+                <a:ea typeface="맑은 고딕" panose="020B0503020000020004" pitchFamily="50" charset="-127"/>
+              </a:rPr>
+              <a:t>지속 가능한 식생활을 촉진하고</a:t>
+            </a:r>
+            <a:r>
+              <a:rPr lang="en-US" altLang="ko-KR" sz="2000" dirty="0">
+                <a:solidFill>
+                  <a:srgbClr val="40623D"/>
+                </a:solidFill>
+                <a:latin typeface="맑은 고딕" panose="020F0502020204030204"/>
+                <a:ea typeface="맑은 고딕" panose="020B0503020000020004" pitchFamily="50" charset="-127"/>
+              </a:rPr>
+              <a:t>, </a:t>
+            </a:r>
+            <a:r>
+              <a:rPr lang="ko-KR" altLang="en-US" sz="2000" dirty="0">
+                <a:solidFill>
+                  <a:srgbClr val="40623D"/>
+                </a:solidFill>
+                <a:latin typeface="맑은 고딕" panose="020F0502020204030204"/>
+                <a:ea typeface="맑은 고딕" panose="020B0503020000020004" pitchFamily="50" charset="-127"/>
+              </a:rPr>
+              <a:t>경제적 절감 효과를 제공합니다</a:t>
+            </a:r>
+            <a:r>
+              <a:rPr lang="en-US" altLang="ko-KR" sz="2000" dirty="0">
+                <a:solidFill>
+                  <a:srgbClr val="40623D"/>
+                </a:solidFill>
+                <a:latin typeface="맑은 고딕" panose="020F0502020204030204"/>
+                <a:ea typeface="맑은 고딕" panose="020B0503020000020004" pitchFamily="50" charset="-127"/>
+              </a:rPr>
+              <a:t>.</a:t>
+            </a:r>
+          </a:p>
+          <a:p>
+            <a:pPr marL="342900" lvl="0" indent="-342900">
+              <a:buFont typeface="Wingdings" panose="05000000000000000000" pitchFamily="2" charset="2"/>
+              <a:buChar char="ü"/>
+            </a:pPr>
+            <a:endParaRPr lang="en-US" altLang="ko-KR" sz="2000" b="1" dirty="0">
+              <a:solidFill>
+                <a:srgbClr val="40623D"/>
+              </a:solidFill>
+              <a:latin typeface="맑은 고딕" panose="020F0502020204030204"/>
+              <a:ea typeface="맑은 고딕" panose="020B0503020000020004" pitchFamily="50" charset="-127"/>
+            </a:endParaRPr>
+          </a:p>
+          <a:p>
+            <a:pPr marL="342900" lvl="0" indent="-342900">
+              <a:buFont typeface="Wingdings" panose="05000000000000000000" pitchFamily="2" charset="2"/>
+              <a:buChar char="ü"/>
+            </a:pPr>
+            <a:r>
+              <a:rPr lang="ko-KR" altLang="en-US" sz="2000" b="1" dirty="0">
+                <a:solidFill>
+                  <a:srgbClr val="40623D"/>
+                </a:solidFill>
+                <a:latin typeface="맑은 고딕" panose="020F0502020204030204"/>
+                <a:ea typeface="맑은 고딕" panose="020B0503020000020004" pitchFamily="50" charset="-127"/>
+              </a:rPr>
+              <a:t>사용자 경험</a:t>
+            </a:r>
+            <a:r>
+              <a:rPr lang="en-US" altLang="ko-KR" sz="2000" dirty="0">
+                <a:solidFill>
+                  <a:srgbClr val="40623D"/>
+                </a:solidFill>
+                <a:latin typeface="맑은 고딕" panose="020F0502020204030204"/>
+                <a:ea typeface="맑은 고딕" panose="020B0503020000020004" pitchFamily="50" charset="-127"/>
+              </a:rPr>
+              <a:t>:</a:t>
+            </a:r>
+          </a:p>
+          <a:p>
+            <a:pPr marL="800100" lvl="1" indent="-342900">
+              <a:buFont typeface="Wingdings" panose="05000000000000000000" pitchFamily="2" charset="2"/>
+              <a:buChar char="ü"/>
+            </a:pPr>
+            <a:r>
+              <a:rPr lang="ko-KR" altLang="en-US" sz="2000" dirty="0">
+                <a:solidFill>
+                  <a:srgbClr val="40623D"/>
+                </a:solidFill>
+                <a:latin typeface="맑은 고딕" panose="020F0502020204030204"/>
+                <a:ea typeface="맑은 고딕" panose="020B0503020000020004" pitchFamily="50" charset="-127"/>
+              </a:rPr>
+              <a:t>직관적이고 사용자 친화적인 인터페이스를 통해 모든 연령대가 쉽게 사용할 수 있습니다</a:t>
+            </a:r>
+            <a:r>
+              <a:rPr lang="en-US" altLang="ko-KR" sz="2000" dirty="0">
+                <a:solidFill>
+                  <a:srgbClr val="40623D"/>
+                </a:solidFill>
+                <a:latin typeface="맑은 고딕" panose="020F0502020204030204"/>
+                <a:ea typeface="맑은 고딕" panose="020B0503020000020004" pitchFamily="50" charset="-127"/>
+              </a:rPr>
+              <a:t>.</a:t>
+            </a:r>
+          </a:p>
+          <a:p>
+            <a:pPr marL="800100" lvl="1" indent="-342900">
+              <a:buFont typeface="Wingdings" panose="05000000000000000000" pitchFamily="2" charset="2"/>
+              <a:buChar char="ü"/>
+            </a:pPr>
+            <a:r>
+              <a:rPr lang="ko-KR" altLang="en-US" sz="2000" dirty="0">
+                <a:solidFill>
+                  <a:srgbClr val="40623D"/>
+                </a:solidFill>
+                <a:latin typeface="맑은 고딕" panose="020F0502020204030204"/>
+                <a:ea typeface="맑은 고딕" panose="020B0503020000020004" pitchFamily="50" charset="-127"/>
+              </a:rPr>
+              <a:t>커뮤니티 기능을 통해 사용자들이 레시피를 공유하고</a:t>
+            </a:r>
+            <a:r>
+              <a:rPr lang="en-US" altLang="ko-KR" sz="2000" dirty="0">
+                <a:solidFill>
+                  <a:srgbClr val="40623D"/>
+                </a:solidFill>
+                <a:latin typeface="맑은 고딕" panose="020F0502020204030204"/>
+                <a:ea typeface="맑은 고딕" panose="020B0503020000020004" pitchFamily="50" charset="-127"/>
+              </a:rPr>
+              <a:t>, </a:t>
+            </a:r>
+            <a:r>
+              <a:rPr lang="ko-KR" altLang="en-US" sz="2000" dirty="0">
+                <a:solidFill>
+                  <a:srgbClr val="40623D"/>
+                </a:solidFill>
+                <a:latin typeface="맑은 고딕" panose="020F0502020204030204"/>
+                <a:ea typeface="맑은 고딕" panose="020B0503020000020004" pitchFamily="50" charset="-127"/>
+              </a:rPr>
+              <a:t>환경 보호에 대한 인식을 함께 높일 수 있습니다</a:t>
+            </a:r>
+            <a:r>
+              <a:rPr lang="en-US" altLang="ko-KR" sz="2000" dirty="0">
+                <a:solidFill>
+                  <a:srgbClr val="40623D"/>
+                </a:solidFill>
+                <a:latin typeface="맑은 고딕" panose="020F0502020204030204"/>
+                <a:ea typeface="맑은 고딕" panose="020B0503020000020004" pitchFamily="50" charset="-127"/>
+              </a:rPr>
+              <a:t>.</a:t>
+            </a:r>
+            <a:endParaRPr lang="en-US" altLang="ko-KR" sz="2000" dirty="0">
+              <a:solidFill>
+                <a:srgbClr val="40623D"/>
+              </a:solidFill>
+              <a:latin typeface="맑은 고딕" panose="020F0502020204030204"/>
+              <a:ea typeface="맑은 고딕" panose="020B0503020000020004" pitchFamily="50" charset="-127"/>
+            </a:endParaRPr>
+          </a:p>
+        </p:txBody>
+      </p:sp>
+    </p:spTree>
+    <p:extLst>
+      <p:ext uri="{BB962C8B-B14F-4D97-AF65-F5344CB8AC3E}">
+        <p14:creationId xmlns:p14="http://schemas.microsoft.com/office/powerpoint/2010/main" val="1059001933"/>
+      </p:ext>
+    </p:extLst>
+  </p:cSld>
+  <p:clrMapOvr>
+    <a:masterClrMapping/>
+  </p:clrMapOvr>
+  <mc:AlternateContent xmlns:mc="http://schemas.openxmlformats.org/markup-compatibility/2006" xmlns:p14="http://schemas.microsoft.com/office/powerpoint/2010/main">
+    <mc:Choice Requires="p14">
+      <p:transition spd="med" p14:dur="700">
+        <p:fade/>
+      </p:transition>
+    </mc:Choice>
+    <mc:Fallback xmlns="">
+      <p:transition spd="med">
+        <p:fade/>
+      </p:transition>
+    </mc:Fallback>
+  </mc:AlternateContent>
+</p:sld>
+</file>
+
+<file path=ppt/slides/slide6.xml><?xml version="1.0" encoding="utf-8"?>
+<p:sld xmlns:a="http://schemas.openxmlformats.org/drawingml/2006/main" xmlns:r="http://schemas.openxmlformats.org/officeDocument/2006/relationships" xmlns:p="http://schemas.openxmlformats.org/presentationml/2006/main">
+  <p:cSld>
     <p:bg>
       <p:bgPr>
         <a:solidFill>
@@ -17468,7 +18321,7 @@
                 <a14:useLocalDpi xmlns:a14="http://schemas.microsoft.com/office/drawing/2010/main" val="0"/>
               </a:ext>
               <a:ext uri="{96DAC541-7B7A-43D3-8B79-37D633B846F1}">
-                <asvg:svgBlip xmlns:asvg="http://schemas.microsoft.com/office/drawing/2016/SVG/main" r:embed="rId3"/>
+                <asvg:svgBlip xmlns="" xmlns:asvg="http://schemas.microsoft.com/office/drawing/2016/SVG/main" r:embed="rId3"/>
               </a:ext>
             </a:extLst>
           </a:blip>
@@ -17651,7 +18504,7 @@
 </p:sld>
 </file>
 
-<file path=ppt/slides/slide6.xml><?xml version="1.0" encoding="utf-8"?>
+<file path=ppt/slides/slide7.xml><?xml version="1.0" encoding="utf-8"?>
 <p:sld xmlns:a="http://schemas.openxmlformats.org/drawingml/2006/main" xmlns:r="http://schemas.openxmlformats.org/officeDocument/2006/relationships" xmlns:p="http://schemas.openxmlformats.org/presentationml/2006/main">
   <p:cSld>
     <p:spTree>
@@ -17842,7 +18695,7 @@
           <p:nvPr>
             <p:extLst>
               <p:ext uri="{D42A27DB-BD31-4B8C-83A1-F6EECF244321}">
-                <p14:modId xmlns:p14="http://schemas.microsoft.com/office/powerpoint/2010/main" val="271096484"/>
+                <p14:modId xmlns:p14="http://schemas.microsoft.com/office/powerpoint/2010/main" val="229219183"/>
               </p:ext>
             </p:extLst>
           </p:nvPr>
@@ -21948,15 +22801,15 @@
                         <a:t>내가 </a:t>
                       </a:r>
                       <a:r>
-                        <a:rPr lang="ko-KR" altLang="en-US" sz="1000" b="1" i="0" u="none" strike="noStrike" dirty="0" err="1">
-                          <a:solidFill>
-                            <a:srgbClr val="40623D"/>
-                          </a:solidFill>
-                          <a:effectLst/>
-                          <a:latin typeface="맑은 고딕" panose="020B0503020000020004" pitchFamily="50" charset="-127"/>
-                          <a:ea typeface="맑은 고딕" panose="020B0503020000020004" pitchFamily="50" charset="-127"/>
-                        </a:rPr>
-                        <a:t>찜한</a:t>
+                        <a:rPr lang="ko-KR" altLang="en-US" sz="1000" b="1" i="0" u="none" strike="noStrike" dirty="0" smtClean="0">
+                          <a:solidFill>
+                            <a:srgbClr val="40623D"/>
+                          </a:solidFill>
+                          <a:effectLst/>
+                          <a:latin typeface="맑은 고딕" panose="020B0503020000020004" pitchFamily="50" charset="-127"/>
+                          <a:ea typeface="맑은 고딕" panose="020B0503020000020004" pitchFamily="50" charset="-127"/>
+                        </a:rPr>
+                        <a:t>찜 한 </a:t>
                       </a:r>
                       <a:r>
                         <a:rPr lang="ko-KR" altLang="en-US" sz="1000" b="1" i="0" u="none" strike="noStrike" dirty="0">
@@ -21967,7 +22820,7 @@
                           <a:latin typeface="맑은 고딕" panose="020B0503020000020004" pitchFamily="50" charset="-127"/>
                           <a:ea typeface="맑은 고딕" panose="020B0503020000020004" pitchFamily="50" charset="-127"/>
                         </a:rPr>
-                        <a:t> 레시피 리스트</a:t>
+                        <a:t>레시피 리스트</a:t>
                       </a:r>
                     </a:p>
                   </a:txBody>
@@ -22220,15 +23073,15 @@
                     <a:p>
                       <a:pPr algn="ctr" rtl="0" fontAlgn="ctr"/>
                       <a:r>
-                        <a:rPr lang="ko-KR" altLang="en-US" sz="1000" b="1" i="0" u="none" strike="noStrike" dirty="0" err="1">
-                          <a:solidFill>
-                            <a:srgbClr val="40623D"/>
-                          </a:solidFill>
-                          <a:effectLst/>
-                          <a:latin typeface="맑은 고딕" panose="020B0503020000020004" pitchFamily="50" charset="-127"/>
-                          <a:ea typeface="맑은 고딕" panose="020B0503020000020004" pitchFamily="50" charset="-127"/>
-                        </a:rPr>
-                        <a:t>필터별</a:t>
+                        <a:rPr lang="ko-KR" altLang="en-US" sz="1000" b="1" i="0" u="none" strike="noStrike" dirty="0" smtClean="0">
+                          <a:solidFill>
+                            <a:srgbClr val="40623D"/>
+                          </a:solidFill>
+                          <a:effectLst/>
+                          <a:latin typeface="맑은 고딕" panose="020B0503020000020004" pitchFamily="50" charset="-127"/>
+                          <a:ea typeface="맑은 고딕" panose="020B0503020000020004" pitchFamily="50" charset="-127"/>
+                        </a:rPr>
+                        <a:t>필터 별</a:t>
                       </a:r>
                       <a:r>
                         <a:rPr lang="en-US" altLang="ko-KR" sz="1000" b="1" i="0" u="none" strike="noStrike" dirty="0">
@@ -22318,15 +23171,15 @@
                         </a:rPr>
                       </a:br>
                       <a:r>
-                        <a:rPr lang="ko-KR" altLang="en-US" sz="1000" b="1" i="0" u="none" strike="noStrike" dirty="0" err="1">
-                          <a:solidFill>
-                            <a:srgbClr val="40623D"/>
-                          </a:solidFill>
-                          <a:effectLst/>
-                          <a:latin typeface="맑은 고딕" panose="020B0503020000020004" pitchFamily="50" charset="-127"/>
-                          <a:ea typeface="맑은 고딕" panose="020B0503020000020004" pitchFamily="50" charset="-127"/>
-                        </a:rPr>
-                        <a:t>레시피별</a:t>
+                        <a:rPr lang="ko-KR" altLang="en-US" sz="1000" b="1" i="0" u="none" strike="noStrike" dirty="0" smtClean="0">
+                          <a:solidFill>
+                            <a:srgbClr val="40623D"/>
+                          </a:solidFill>
+                          <a:effectLst/>
+                          <a:latin typeface="맑은 고딕" panose="020B0503020000020004" pitchFamily="50" charset="-127"/>
+                          <a:ea typeface="맑은 고딕" panose="020B0503020000020004" pitchFamily="50" charset="-127"/>
+                        </a:rPr>
+                        <a:t>레시피 별 </a:t>
                       </a:r>
                       <a:r>
                         <a:rPr lang="ko-KR" altLang="en-US" sz="1000" b="1" i="0" u="none" strike="noStrike" dirty="0">
@@ -22337,7 +23190,7 @@
                           <a:latin typeface="맑은 고딕" panose="020B0503020000020004" pitchFamily="50" charset="-127"/>
                           <a:ea typeface="맑은 고딕" panose="020B0503020000020004" pitchFamily="50" charset="-127"/>
                         </a:rPr>
-                        <a:t> 부족한 재료 표시</a:t>
+                        <a:t>부족한 재료 표시</a:t>
                       </a:r>
                       <a:r>
                         <a:rPr lang="en-US" altLang="ko-KR" sz="1000" b="1" i="0" u="none" strike="noStrike" dirty="0">
@@ -23645,7 +24498,7 @@
 </p:sld>
 </file>
 
-<file path=ppt/slides/slide7.xml><?xml version="1.0" encoding="utf-8"?>
+<file path=ppt/slides/slide8.xml><?xml version="1.0" encoding="utf-8"?>
 <p:sld xmlns:a="http://schemas.openxmlformats.org/drawingml/2006/main" xmlns:r="http://schemas.openxmlformats.org/officeDocument/2006/relationships" xmlns:p="http://schemas.openxmlformats.org/presentationml/2006/main">
   <p:cSld>
     <p:bg>
@@ -23691,7 +24544,7 @@
                 <a14:useLocalDpi xmlns:a14="http://schemas.microsoft.com/office/drawing/2010/main" val="0"/>
               </a:ext>
               <a:ext uri="{96DAC541-7B7A-43D3-8B79-37D633B846F1}">
-                <asvg:svgBlip xmlns:asvg="http://schemas.microsoft.com/office/drawing/2016/SVG/main" r:embed="rId3"/>
+                <asvg:svgBlip xmlns="" xmlns:asvg="http://schemas.microsoft.com/office/drawing/2016/SVG/main" r:embed="rId3"/>
               </a:ext>
             </a:extLst>
           </a:blip>
@@ -23880,7 +24733,7 @@
 </p:sld>
 </file>
 
-<file path=ppt/slides/slide8.xml><?xml version="1.0" encoding="utf-8"?>
+<file path=ppt/slides/slide9.xml><?xml version="1.0" encoding="utf-8"?>
 <p:sld xmlns:a="http://schemas.openxmlformats.org/drawingml/2006/main" xmlns:r="http://schemas.openxmlformats.org/officeDocument/2006/relationships" xmlns:p="http://schemas.openxmlformats.org/presentationml/2006/main">
   <p:cSld>
     <p:spTree>
@@ -24666,299 +25519,6 @@
 </p:sld>
 </file>
 
-<file path=ppt/slides/slide9.xml><?xml version="1.0" encoding="utf-8"?>
-<p:sld xmlns:a="http://schemas.openxmlformats.org/drawingml/2006/main" xmlns:r="http://schemas.openxmlformats.org/officeDocument/2006/relationships" xmlns:p="http://schemas.openxmlformats.org/presentationml/2006/main">
-  <p:cSld>
-    <p:spTree>
-      <p:nvGrpSpPr>
-        <p:cNvPr id="1" name=""/>
-        <p:cNvGrpSpPr/>
-        <p:nvPr/>
-      </p:nvGrpSpPr>
-      <p:grpSpPr>
-        <a:xfrm>
-          <a:off x="0" y="0"/>
-          <a:ext cx="0" cy="0"/>
-          <a:chOff x="0" y="0"/>
-          <a:chExt cx="0" cy="0"/>
-        </a:xfrm>
-      </p:grpSpPr>
-      <p:grpSp>
-        <p:nvGrpSpPr>
-          <p:cNvPr id="5" name="그룹 4">
-            <a:extLst>
-              <a:ext uri="{FF2B5EF4-FFF2-40B4-BE49-F238E27FC236}">
-                <a16:creationId xmlns:a16="http://schemas.microsoft.com/office/drawing/2014/main" id="{A2449D8F-884D-5D19-165F-EB57479089EB}"/>
-              </a:ext>
-            </a:extLst>
-          </p:cNvPr>
-          <p:cNvGrpSpPr/>
-          <p:nvPr/>
-        </p:nvGrpSpPr>
-        <p:grpSpPr>
-          <a:xfrm>
-            <a:off x="334537" y="292343"/>
-            <a:ext cx="1282390" cy="494371"/>
-            <a:chOff x="334537" y="267629"/>
-            <a:chExt cx="1282390" cy="494371"/>
-          </a:xfrm>
-          <a:solidFill>
-            <a:srgbClr val="40623D"/>
-          </a:solidFill>
-        </p:grpSpPr>
-        <p:sp>
-          <p:nvSpPr>
-            <p:cNvPr id="6" name="사각형: 둥근 모서리 5">
-              <a:extLst>
-                <a:ext uri="{FF2B5EF4-FFF2-40B4-BE49-F238E27FC236}">
-                  <a16:creationId xmlns:a16="http://schemas.microsoft.com/office/drawing/2014/main" id="{D1C29DCC-B007-9B28-F0ED-7D47503F3214}"/>
-                </a:ext>
-              </a:extLst>
-            </p:cNvPr>
-            <p:cNvSpPr/>
-            <p:nvPr/>
-          </p:nvSpPr>
-          <p:spPr>
-            <a:xfrm>
-              <a:off x="334537" y="267629"/>
-              <a:ext cx="1282390" cy="494371"/>
-            </a:xfrm>
-            <a:prstGeom prst="roundRect">
-              <a:avLst>
-                <a:gd name="adj" fmla="val 50000"/>
-              </a:avLst>
-            </a:prstGeom>
-            <a:grpFill/>
-            <a:ln>
-              <a:noFill/>
-            </a:ln>
-          </p:spPr>
-          <p:style>
-            <a:lnRef idx="2">
-              <a:schemeClr val="accent1">
-                <a:shade val="50000"/>
-              </a:schemeClr>
-            </a:lnRef>
-            <a:fillRef idx="1">
-              <a:schemeClr val="accent1"/>
-            </a:fillRef>
-            <a:effectRef idx="0">
-              <a:schemeClr val="accent1"/>
-            </a:effectRef>
-            <a:fontRef idx="minor">
-              <a:schemeClr val="lt1"/>
-            </a:fontRef>
-          </p:style>
-          <p:txBody>
-            <a:bodyPr rtlCol="0" anchor="ctr"/>
-            <a:lstStyle/>
-            <a:p>
-              <a:pPr algn="ctr"/>
-              <a:endParaRPr lang="ko-KR" altLang="en-US"/>
-            </a:p>
-          </p:txBody>
-        </p:sp>
-        <p:sp>
-          <p:nvSpPr>
-            <p:cNvPr id="7" name="TextBox 6">
-              <a:extLst>
-                <a:ext uri="{FF2B5EF4-FFF2-40B4-BE49-F238E27FC236}">
-                  <a16:creationId xmlns:a16="http://schemas.microsoft.com/office/drawing/2014/main" id="{4E07EDC3-FA59-EB87-3960-62BE763DA29C}"/>
-                </a:ext>
-              </a:extLst>
-            </p:cNvPr>
-            <p:cNvSpPr txBox="1"/>
-            <p:nvPr/>
-          </p:nvSpPr>
-          <p:spPr>
-            <a:xfrm>
-              <a:off x="557562" y="316312"/>
-              <a:ext cx="808235" cy="369332"/>
-            </a:xfrm>
-            <a:prstGeom prst="rect">
-              <a:avLst/>
-            </a:prstGeom>
-            <a:grpFill/>
-          </p:spPr>
-          <p:txBody>
-            <a:bodyPr wrap="none" rtlCol="0">
-              <a:spAutoFit/>
-            </a:bodyPr>
-            <a:lstStyle/>
-            <a:p>
-              <a:r>
-                <a:rPr lang="en-US" altLang="ko-KR" b="1" dirty="0">
-                  <a:solidFill>
-                    <a:schemeClr val="bg1"/>
-                  </a:solidFill>
-                  <a:latin typeface="+mj-ea"/>
-                  <a:ea typeface="+mj-ea"/>
-                </a:rPr>
-                <a:t>Part 3</a:t>
-              </a:r>
-              <a:endParaRPr lang="ko-KR" altLang="en-US" b="1" dirty="0">
-                <a:solidFill>
-                  <a:schemeClr val="bg1"/>
-                </a:solidFill>
-                <a:latin typeface="+mj-ea"/>
-                <a:ea typeface="+mj-ea"/>
-              </a:endParaRPr>
-            </a:p>
-          </p:txBody>
-        </p:sp>
-      </p:grpSp>
-      <p:sp>
-        <p:nvSpPr>
-          <p:cNvPr id="8" name="TextBox 7">
-            <a:extLst>
-              <a:ext uri="{FF2B5EF4-FFF2-40B4-BE49-F238E27FC236}">
-                <a16:creationId xmlns:a16="http://schemas.microsoft.com/office/drawing/2014/main" id="{8C200553-37C6-FFB4-57FC-244375D26B87}"/>
-              </a:ext>
-            </a:extLst>
-          </p:cNvPr>
-          <p:cNvSpPr txBox="1"/>
-          <p:nvPr/>
-        </p:nvSpPr>
-        <p:spPr>
-          <a:xfrm flipH="1">
-            <a:off x="1735019" y="263494"/>
-            <a:ext cx="5625150" cy="523220"/>
-          </a:xfrm>
-          <a:prstGeom prst="rect">
-            <a:avLst/>
-          </a:prstGeom>
-          <a:noFill/>
-        </p:spPr>
-        <p:txBody>
-          <a:bodyPr wrap="square" rtlCol="0">
-            <a:spAutoFit/>
-          </a:bodyPr>
-          <a:lstStyle/>
-          <a:p>
-            <a:r>
-              <a:rPr lang="ko-KR" altLang="en-US" sz="2800" b="1" spc="-150" dirty="0" err="1">
-                <a:solidFill>
-                  <a:schemeClr val="accent2">
-                    <a:lumMod val="50000"/>
-                  </a:schemeClr>
-                </a:solidFill>
-                <a:latin typeface="+mj-ea"/>
-                <a:ea typeface="+mj-ea"/>
-              </a:rPr>
-              <a:t>유스케이스</a:t>
-            </a:r>
-            <a:r>
-              <a:rPr lang="en-US" altLang="ko-KR" sz="2800" b="1" spc="-150" dirty="0">
-                <a:solidFill>
-                  <a:schemeClr val="accent2">
-                    <a:lumMod val="50000"/>
-                  </a:schemeClr>
-                </a:solidFill>
-                <a:latin typeface="+mj-ea"/>
-                <a:ea typeface="+mj-ea"/>
-              </a:rPr>
-              <a:t> </a:t>
-            </a:r>
-            <a:r>
-              <a:rPr lang="ko-KR" altLang="en-US" sz="2800" b="1" spc="-150" dirty="0">
-                <a:solidFill>
-                  <a:schemeClr val="accent2">
-                    <a:lumMod val="50000"/>
-                  </a:schemeClr>
-                </a:solidFill>
-                <a:latin typeface="+mj-ea"/>
-                <a:ea typeface="+mj-ea"/>
-              </a:rPr>
-              <a:t>다이어그램 </a:t>
-            </a:r>
-            <a:r>
-              <a:rPr lang="en-US" altLang="ko-KR" sz="2800" b="1" spc="-150" dirty="0">
-                <a:solidFill>
-                  <a:schemeClr val="accent2">
-                    <a:lumMod val="50000"/>
-                  </a:schemeClr>
-                </a:solidFill>
-                <a:latin typeface="+mj-ea"/>
-                <a:ea typeface="+mj-ea"/>
-              </a:rPr>
-              <a:t>- </a:t>
-            </a:r>
-            <a:r>
-              <a:rPr lang="ko-KR" altLang="en-US" sz="2800" b="1" spc="-150" dirty="0">
-                <a:solidFill>
-                  <a:schemeClr val="accent2">
-                    <a:lumMod val="50000"/>
-                  </a:schemeClr>
-                </a:solidFill>
-                <a:latin typeface="+mj-ea"/>
-                <a:ea typeface="+mj-ea"/>
-              </a:rPr>
-              <a:t>로그인</a:t>
-            </a:r>
-          </a:p>
-        </p:txBody>
-      </p:sp>
-      <p:pic>
-        <p:nvPicPr>
-          <p:cNvPr id="4" name="그림 3">
-            <a:extLst>
-              <a:ext uri="{FF2B5EF4-FFF2-40B4-BE49-F238E27FC236}">
-                <a16:creationId xmlns:a16="http://schemas.microsoft.com/office/drawing/2014/main" id="{02368C0B-4FA5-1A4C-EADB-3942C6725B04}"/>
-              </a:ext>
-            </a:extLst>
-          </p:cNvPr>
-          <p:cNvPicPr>
-            <a:picLocks noChangeAspect="1"/>
-          </p:cNvPicPr>
-          <p:nvPr/>
-        </p:nvPicPr>
-        <p:blipFill>
-          <a:blip r:embed="rId2">
-            <a:extLst>
-              <a:ext uri="{28A0092B-C50C-407E-A947-70E740481C1C}">
-                <a14:useLocalDpi xmlns:a14="http://schemas.microsoft.com/office/drawing/2010/main" val="0"/>
-              </a:ext>
-            </a:extLst>
-          </a:blip>
-          <a:stretch>
-            <a:fillRect/>
-          </a:stretch>
-        </p:blipFill>
-        <p:spPr>
-          <a:xfrm>
-            <a:off x="1973838" y="1932992"/>
-            <a:ext cx="8244324" cy="3189514"/>
-          </a:xfrm>
-          <a:prstGeom prst="rect">
-            <a:avLst/>
-          </a:prstGeom>
-        </p:spPr>
-      </p:pic>
-    </p:spTree>
-    <p:extLst>
-      <p:ext uri="{BB962C8B-B14F-4D97-AF65-F5344CB8AC3E}">
-        <p14:creationId xmlns:p14="http://schemas.microsoft.com/office/powerpoint/2010/main" val="2586192940"/>
-      </p:ext>
-    </p:extLst>
-  </p:cSld>
-  <p:clrMapOvr>
-    <a:masterClrMapping/>
-  </p:clrMapOvr>
-  <mc:AlternateContent xmlns:mc="http://schemas.openxmlformats.org/markup-compatibility/2006" xmlns:p14="http://schemas.microsoft.com/office/powerpoint/2010/main">
-    <mc:Choice Requires="p14">
-      <p:transition spd="med" p14:dur="700">
-        <p:fade/>
-      </p:transition>
-    </mc:Choice>
-    <mc:Fallback xmlns="">
-      <p:transition spd="med">
-        <p:fade/>
-      </p:transition>
-    </mc:Fallback>
-  </mc:AlternateContent>
-</p:sld>
-</file>
-
 <file path=ppt/theme/theme1.xml><?xml version="1.0" encoding="utf-8"?>
 <a:theme xmlns:a="http://schemas.openxmlformats.org/drawingml/2006/main" name="Office 테마">
   <a:themeElements>
